--- a/seenopsis_presentation.pptx
+++ b/seenopsis_presentation.pptx
@@ -12,6 +12,7 @@
     <p:sldId id="262" r:id="rId6"/>
     <p:sldId id="260" r:id="rId7"/>
     <p:sldId id="261" r:id="rId8"/>
+    <p:sldId id="263" r:id="rId9"/>
   </p:sldIdLst>
   <p:sldSz cx="12192000" cy="6858000"/>
   <p:notesSz cx="6858000" cy="9144000"/>
@@ -134,7 +135,7 @@
         <p:nvSpPr>
           <p:cNvPr id="7" name="Rectangle 6"/>
           <p:cNvSpPr/>
-          <p:nvPr/>
+          <p:nvPr userDrawn="1"/>
         </p:nvSpPr>
         <p:spPr>
           <a:xfrm>
@@ -172,7 +173,7 @@
         <p:nvSpPr>
           <p:cNvPr id="8" name="Rectangle 7"/>
           <p:cNvSpPr/>
-          <p:nvPr/>
+          <p:nvPr userDrawn="1"/>
         </p:nvSpPr>
         <p:spPr>
           <a:xfrm>
@@ -322,71 +323,6 @@
           </a:p>
         </p:txBody>
       </p:sp>
-      <p:sp>
-        <p:nvSpPr>
-          <p:cNvPr id="4" name="Date Placeholder 3"/>
-          <p:cNvSpPr>
-            <a:spLocks noGrp="1"/>
-          </p:cNvSpPr>
-          <p:nvPr>
-            <p:ph type="dt" sz="half" idx="10"/>
-          </p:nvPr>
-        </p:nvSpPr>
-        <p:spPr/>
-        <p:txBody>
-          <a:bodyPr/>
-          <a:lstStyle/>
-          <a:p>
-            <a:fld id="{6943B7FB-ED37-47A9-99C4-A90F267351D5}" type="datetimeFigureOut">
-              <a:rPr lang="en-US" smtClean="0"/>
-              <a:t>7/9/2018</a:t>
-            </a:fld>
-            <a:endParaRPr lang="en-US"/>
-          </a:p>
-        </p:txBody>
-      </p:sp>
-      <p:sp>
-        <p:nvSpPr>
-          <p:cNvPr id="5" name="Footer Placeholder 4"/>
-          <p:cNvSpPr>
-            <a:spLocks noGrp="1"/>
-          </p:cNvSpPr>
-          <p:nvPr>
-            <p:ph type="ftr" sz="quarter" idx="11"/>
-          </p:nvPr>
-        </p:nvSpPr>
-        <p:spPr/>
-        <p:txBody>
-          <a:bodyPr/>
-          <a:lstStyle/>
-          <a:p>
-            <a:endParaRPr lang="en-US"/>
-          </a:p>
-        </p:txBody>
-      </p:sp>
-      <p:sp>
-        <p:nvSpPr>
-          <p:cNvPr id="6" name="Slide Number Placeholder 5"/>
-          <p:cNvSpPr>
-            <a:spLocks noGrp="1"/>
-          </p:cNvSpPr>
-          <p:nvPr>
-            <p:ph type="sldNum" sz="quarter" idx="12"/>
-          </p:nvPr>
-        </p:nvSpPr>
-        <p:spPr/>
-        <p:txBody>
-          <a:bodyPr/>
-          <a:lstStyle/>
-          <a:p>
-            <a:fld id="{1648FA50-19F3-48CE-91F6-54990F9D1E9B}" type="slidenum">
-              <a:rPr lang="en-US" smtClean="0"/>
-              <a:t>‹#›</a:t>
-            </a:fld>
-            <a:endParaRPr lang="en-US"/>
-          </a:p>
-        </p:txBody>
-      </p:sp>
       <p:cxnSp>
         <p:nvCxnSpPr>
           <p:cNvPr id="9" name="Straight Connector 8"/>
@@ -435,6 +371,13 @@
   <p:clrMapOvr>
     <a:masterClrMapping/>
   </p:clrMapOvr>
+  <p:timing>
+    <p:tnLst>
+      <p:par>
+        <p:cTn id="1" dur="indefinite" restart="never" nodeType="tmRoot"/>
+      </p:par>
+    </p:tnLst>
+  </p:timing>
 </p:sldLayout>
 </file>
 
@@ -540,14 +483,22 @@
             <p:ph type="dt" sz="half" idx="10"/>
           </p:nvPr>
         </p:nvSpPr>
-        <p:spPr/>
+        <p:spPr>
+          <a:xfrm>
+            <a:off x="1097280" y="6459785"/>
+            <a:ext cx="2472271" cy="365125"/>
+          </a:xfrm>
+          <a:prstGeom prst="rect">
+            <a:avLst/>
+          </a:prstGeom>
+        </p:spPr>
         <p:txBody>
           <a:bodyPr/>
           <a:lstStyle/>
           <a:p>
             <a:fld id="{6943B7FB-ED37-47A9-99C4-A90F267351D5}" type="datetimeFigureOut">
               <a:rPr lang="en-US" smtClean="0"/>
-              <a:t>7/9/2018</a:t>
+              <a:t>7/10/2018</a:t>
             </a:fld>
             <a:endParaRPr lang="en-US"/>
           </a:p>
@@ -563,7 +514,15 @@
             <p:ph type="ftr" sz="quarter" idx="11"/>
           </p:nvPr>
         </p:nvSpPr>
-        <p:spPr/>
+        <p:spPr>
+          <a:xfrm>
+            <a:off x="3686185" y="6459785"/>
+            <a:ext cx="4822804" cy="365125"/>
+          </a:xfrm>
+          <a:prstGeom prst="rect">
+            <a:avLst/>
+          </a:prstGeom>
+        </p:spPr>
         <p:txBody>
           <a:bodyPr/>
           <a:lstStyle/>
@@ -582,7 +541,15 @@
             <p:ph type="sldNum" sz="quarter" idx="12"/>
           </p:nvPr>
         </p:nvSpPr>
-        <p:spPr/>
+        <p:spPr>
+          <a:xfrm>
+            <a:off x="9900458" y="6459785"/>
+            <a:ext cx="1312025" cy="365125"/>
+          </a:xfrm>
+          <a:prstGeom prst="rect">
+            <a:avLst/>
+          </a:prstGeom>
+        </p:spPr>
         <p:txBody>
           <a:bodyPr/>
           <a:lstStyle/>
@@ -796,14 +763,22 @@
             <p:ph type="dt" sz="half" idx="10"/>
           </p:nvPr>
         </p:nvSpPr>
-        <p:spPr/>
+        <p:spPr>
+          <a:xfrm>
+            <a:off x="1097280" y="6459785"/>
+            <a:ext cx="2472271" cy="365125"/>
+          </a:xfrm>
+          <a:prstGeom prst="rect">
+            <a:avLst/>
+          </a:prstGeom>
+        </p:spPr>
         <p:txBody>
           <a:bodyPr/>
           <a:lstStyle/>
           <a:p>
             <a:fld id="{6943B7FB-ED37-47A9-99C4-A90F267351D5}" type="datetimeFigureOut">
               <a:rPr lang="en-US" smtClean="0"/>
-              <a:t>7/9/2018</a:t>
+              <a:t>7/10/2018</a:t>
             </a:fld>
             <a:endParaRPr lang="en-US"/>
           </a:p>
@@ -819,7 +794,15 @@
             <p:ph type="ftr" sz="quarter" idx="11"/>
           </p:nvPr>
         </p:nvSpPr>
-        <p:spPr/>
+        <p:spPr>
+          <a:xfrm>
+            <a:off x="3686185" y="6459785"/>
+            <a:ext cx="4822804" cy="365125"/>
+          </a:xfrm>
+          <a:prstGeom prst="rect">
+            <a:avLst/>
+          </a:prstGeom>
+        </p:spPr>
         <p:txBody>
           <a:bodyPr/>
           <a:lstStyle/>
@@ -838,7 +821,15 @@
             <p:ph type="sldNum" sz="quarter" idx="12"/>
           </p:nvPr>
         </p:nvSpPr>
-        <p:spPr/>
+        <p:spPr>
+          <a:xfrm>
+            <a:off x="9900458" y="6459785"/>
+            <a:ext cx="1312025" cy="365125"/>
+          </a:xfrm>
+          <a:prstGeom prst="rect">
+            <a:avLst/>
+          </a:prstGeom>
+        </p:spPr>
         <p:txBody>
           <a:bodyPr/>
           <a:lstStyle/>
@@ -966,14 +957,22 @@
             <p:ph type="dt" sz="half" idx="10"/>
           </p:nvPr>
         </p:nvSpPr>
-        <p:spPr/>
+        <p:spPr>
+          <a:xfrm>
+            <a:off x="1097280" y="6459785"/>
+            <a:ext cx="2472271" cy="365125"/>
+          </a:xfrm>
+          <a:prstGeom prst="rect">
+            <a:avLst/>
+          </a:prstGeom>
+        </p:spPr>
         <p:txBody>
           <a:bodyPr/>
           <a:lstStyle/>
           <a:p>
             <a:fld id="{6943B7FB-ED37-47A9-99C4-A90F267351D5}" type="datetimeFigureOut">
               <a:rPr lang="en-US" smtClean="0"/>
-              <a:t>7/9/2018</a:t>
+              <a:t>7/10/2018</a:t>
             </a:fld>
             <a:endParaRPr lang="en-US"/>
           </a:p>
@@ -989,7 +988,15 @@
             <p:ph type="ftr" sz="quarter" idx="11"/>
           </p:nvPr>
         </p:nvSpPr>
-        <p:spPr/>
+        <p:spPr>
+          <a:xfrm>
+            <a:off x="3686185" y="6459785"/>
+            <a:ext cx="4822804" cy="365125"/>
+          </a:xfrm>
+          <a:prstGeom prst="rect">
+            <a:avLst/>
+          </a:prstGeom>
+        </p:spPr>
         <p:txBody>
           <a:bodyPr/>
           <a:lstStyle/>
@@ -1008,7 +1015,15 @@
             <p:ph type="sldNum" sz="quarter" idx="12"/>
           </p:nvPr>
         </p:nvSpPr>
-        <p:spPr/>
+        <p:spPr>
+          <a:xfrm>
+            <a:off x="9900458" y="6459785"/>
+            <a:ext cx="1312025" cy="365125"/>
+          </a:xfrm>
+          <a:prstGeom prst="rect">
+            <a:avLst/>
+          </a:prstGeom>
+        </p:spPr>
         <p:txBody>
           <a:bodyPr/>
           <a:lstStyle/>
@@ -1031,6 +1046,13 @@
   <p:clrMapOvr>
     <a:masterClrMapping/>
   </p:clrMapOvr>
+  <p:timing>
+    <p:tnLst>
+      <p:par>
+        <p:cTn id="1" dur="indefinite" restart="never" nodeType="tmRoot"/>
+      </p:par>
+    </p:tnLst>
+  </p:timing>
 </p:sldLayout>
 </file>
 
@@ -1309,14 +1331,22 @@
             <p:ph type="dt" sz="half" idx="10"/>
           </p:nvPr>
         </p:nvSpPr>
-        <p:spPr/>
+        <p:spPr>
+          <a:xfrm>
+            <a:off x="1097280" y="6459785"/>
+            <a:ext cx="2472271" cy="365125"/>
+          </a:xfrm>
+          <a:prstGeom prst="rect">
+            <a:avLst/>
+          </a:prstGeom>
+        </p:spPr>
         <p:txBody>
           <a:bodyPr/>
           <a:lstStyle/>
           <a:p>
             <a:fld id="{6943B7FB-ED37-47A9-99C4-A90F267351D5}" type="datetimeFigureOut">
               <a:rPr lang="en-US" smtClean="0"/>
-              <a:t>7/9/2018</a:t>
+              <a:t>7/10/2018</a:t>
             </a:fld>
             <a:endParaRPr lang="en-US"/>
           </a:p>
@@ -1332,7 +1362,15 @@
             <p:ph type="ftr" sz="quarter" idx="11"/>
           </p:nvPr>
         </p:nvSpPr>
-        <p:spPr/>
+        <p:spPr>
+          <a:xfrm>
+            <a:off x="3686185" y="6459785"/>
+            <a:ext cx="4822804" cy="365125"/>
+          </a:xfrm>
+          <a:prstGeom prst="rect">
+            <a:avLst/>
+          </a:prstGeom>
+        </p:spPr>
         <p:txBody>
           <a:bodyPr/>
           <a:lstStyle/>
@@ -1351,7 +1389,15 @@
             <p:ph type="sldNum" sz="quarter" idx="12"/>
           </p:nvPr>
         </p:nvSpPr>
-        <p:spPr/>
+        <p:spPr>
+          <a:xfrm>
+            <a:off x="9900458" y="6459785"/>
+            <a:ext cx="1312025" cy="365125"/>
+          </a:xfrm>
+          <a:prstGeom prst="rect">
+            <a:avLst/>
+          </a:prstGeom>
+        </p:spPr>
         <p:txBody>
           <a:bodyPr/>
           <a:lstStyle/>
@@ -1584,14 +1630,22 @@
             <p:ph type="dt" sz="half" idx="10"/>
           </p:nvPr>
         </p:nvSpPr>
-        <p:spPr/>
+        <p:spPr>
+          <a:xfrm>
+            <a:off x="1097280" y="6459785"/>
+            <a:ext cx="2472271" cy="365125"/>
+          </a:xfrm>
+          <a:prstGeom prst="rect">
+            <a:avLst/>
+          </a:prstGeom>
+        </p:spPr>
         <p:txBody>
           <a:bodyPr/>
           <a:lstStyle/>
           <a:p>
             <a:fld id="{6943B7FB-ED37-47A9-99C4-A90F267351D5}" type="datetimeFigureOut">
               <a:rPr lang="en-US" smtClean="0"/>
-              <a:t>7/9/2018</a:t>
+              <a:t>7/10/2018</a:t>
             </a:fld>
             <a:endParaRPr lang="en-US"/>
           </a:p>
@@ -1607,7 +1661,15 @@
             <p:ph type="ftr" sz="quarter" idx="11"/>
           </p:nvPr>
         </p:nvSpPr>
-        <p:spPr/>
+        <p:spPr>
+          <a:xfrm>
+            <a:off x="3686185" y="6459785"/>
+            <a:ext cx="4822804" cy="365125"/>
+          </a:xfrm>
+          <a:prstGeom prst="rect">
+            <a:avLst/>
+          </a:prstGeom>
+        </p:spPr>
         <p:txBody>
           <a:bodyPr/>
           <a:lstStyle/>
@@ -1626,7 +1688,15 @@
             <p:ph type="sldNum" sz="quarter" idx="12"/>
           </p:nvPr>
         </p:nvSpPr>
-        <p:spPr/>
+        <p:spPr>
+          <a:xfrm>
+            <a:off x="9900458" y="6459785"/>
+            <a:ext cx="1312025" cy="365125"/>
+          </a:xfrm>
+          <a:prstGeom prst="rect">
+            <a:avLst/>
+          </a:prstGeom>
+        </p:spPr>
         <p:txBody>
           <a:bodyPr/>
           <a:lstStyle/>
@@ -1963,14 +2033,22 @@
             <p:ph type="dt" sz="half" idx="10"/>
           </p:nvPr>
         </p:nvSpPr>
-        <p:spPr/>
+        <p:spPr>
+          <a:xfrm>
+            <a:off x="1097280" y="6459785"/>
+            <a:ext cx="2472271" cy="365125"/>
+          </a:xfrm>
+          <a:prstGeom prst="rect">
+            <a:avLst/>
+          </a:prstGeom>
+        </p:spPr>
         <p:txBody>
           <a:bodyPr/>
           <a:lstStyle/>
           <a:p>
             <a:fld id="{6943B7FB-ED37-47A9-99C4-A90F267351D5}" type="datetimeFigureOut">
               <a:rPr lang="en-US" smtClean="0"/>
-              <a:t>7/9/2018</a:t>
+              <a:t>7/10/2018</a:t>
             </a:fld>
             <a:endParaRPr lang="en-US"/>
           </a:p>
@@ -1986,7 +2064,15 @@
             <p:ph type="ftr" sz="quarter" idx="11"/>
           </p:nvPr>
         </p:nvSpPr>
-        <p:spPr/>
+        <p:spPr>
+          <a:xfrm>
+            <a:off x="3686185" y="6459785"/>
+            <a:ext cx="4822804" cy="365125"/>
+          </a:xfrm>
+          <a:prstGeom prst="rect">
+            <a:avLst/>
+          </a:prstGeom>
+        </p:spPr>
         <p:txBody>
           <a:bodyPr/>
           <a:lstStyle/>
@@ -2005,7 +2091,15 @@
             <p:ph type="sldNum" sz="quarter" idx="12"/>
           </p:nvPr>
         </p:nvSpPr>
-        <p:spPr/>
+        <p:spPr>
+          <a:xfrm>
+            <a:off x="9900458" y="6459785"/>
+            <a:ext cx="1312025" cy="365125"/>
+          </a:xfrm>
+          <a:prstGeom prst="rect">
+            <a:avLst/>
+          </a:prstGeom>
+        </p:spPr>
         <p:txBody>
           <a:bodyPr/>
           <a:lstStyle/>
@@ -2081,14 +2175,22 @@
             <p:ph type="dt" sz="half" idx="10"/>
           </p:nvPr>
         </p:nvSpPr>
-        <p:spPr/>
+        <p:spPr>
+          <a:xfrm>
+            <a:off x="1097280" y="6459785"/>
+            <a:ext cx="2472271" cy="365125"/>
+          </a:xfrm>
+          <a:prstGeom prst="rect">
+            <a:avLst/>
+          </a:prstGeom>
+        </p:spPr>
         <p:txBody>
           <a:bodyPr/>
           <a:lstStyle/>
           <a:p>
             <a:fld id="{6943B7FB-ED37-47A9-99C4-A90F267351D5}" type="datetimeFigureOut">
               <a:rPr lang="en-US" smtClean="0"/>
-              <a:t>7/9/2018</a:t>
+              <a:t>7/10/2018</a:t>
             </a:fld>
             <a:endParaRPr lang="en-US"/>
           </a:p>
@@ -2104,7 +2206,15 @@
             <p:ph type="ftr" sz="quarter" idx="11"/>
           </p:nvPr>
         </p:nvSpPr>
-        <p:spPr/>
+        <p:spPr>
+          <a:xfrm>
+            <a:off x="3686185" y="6459785"/>
+            <a:ext cx="4822804" cy="365125"/>
+          </a:xfrm>
+          <a:prstGeom prst="rect">
+            <a:avLst/>
+          </a:prstGeom>
+        </p:spPr>
         <p:txBody>
           <a:bodyPr/>
           <a:lstStyle/>
@@ -2123,7 +2233,15 @@
             <p:ph type="sldNum" sz="quarter" idx="12"/>
           </p:nvPr>
         </p:nvSpPr>
-        <p:spPr/>
+        <p:spPr>
+          <a:xfrm>
+            <a:off x="9900458" y="6459785"/>
+            <a:ext cx="1312025" cy="365125"/>
+          </a:xfrm>
+          <a:prstGeom prst="rect">
+            <a:avLst/>
+          </a:prstGeom>
+        </p:spPr>
         <p:txBody>
           <a:bodyPr/>
           <a:lstStyle/>
@@ -2252,14 +2370,22 @@
             <p:ph type="dt" sz="half" idx="10"/>
           </p:nvPr>
         </p:nvSpPr>
-        <p:spPr/>
+        <p:spPr>
+          <a:xfrm>
+            <a:off x="1097280" y="6459785"/>
+            <a:ext cx="2472271" cy="365125"/>
+          </a:xfrm>
+          <a:prstGeom prst="rect">
+            <a:avLst/>
+          </a:prstGeom>
+        </p:spPr>
         <p:txBody>
           <a:bodyPr/>
           <a:lstStyle/>
           <a:p>
             <a:fld id="{6943B7FB-ED37-47A9-99C4-A90F267351D5}" type="datetimeFigureOut">
               <a:rPr lang="en-US" smtClean="0"/>
-              <a:t>7/9/2018</a:t>
+              <a:t>7/10/2018</a:t>
             </a:fld>
             <a:endParaRPr lang="en-US"/>
           </a:p>
@@ -2275,7 +2401,15 @@
             <p:ph type="ftr" sz="quarter" idx="11"/>
           </p:nvPr>
         </p:nvSpPr>
-        <p:spPr/>
+        <p:spPr>
+          <a:xfrm>
+            <a:off x="3686185" y="6459785"/>
+            <a:ext cx="4822804" cy="365125"/>
+          </a:xfrm>
+          <a:prstGeom prst="rect">
+            <a:avLst/>
+          </a:prstGeom>
+        </p:spPr>
         <p:txBody>
           <a:bodyPr/>
           <a:lstStyle>
@@ -2302,7 +2436,15 @@
             <p:ph type="sldNum" sz="quarter" idx="12"/>
           </p:nvPr>
         </p:nvSpPr>
-        <p:spPr/>
+        <p:spPr>
+          <a:xfrm>
+            <a:off x="9900458" y="6459785"/>
+            <a:ext cx="1312025" cy="365125"/>
+          </a:xfrm>
+          <a:prstGeom prst="rect">
+            <a:avLst/>
+          </a:prstGeom>
+        </p:spPr>
         <p:txBody>
           <a:bodyPr/>
           <a:lstStyle/>
@@ -2602,6 +2744,9 @@
             <a:off x="465512" y="6459785"/>
             <a:ext cx="2618510" cy="365125"/>
           </a:xfrm>
+          <a:prstGeom prst="rect">
+            <a:avLst/>
+          </a:prstGeom>
         </p:spPr>
         <p:txBody>
           <a:bodyPr/>
@@ -2613,7 +2758,7 @@
           <a:p>
             <a:fld id="{6943B7FB-ED37-47A9-99C4-A90F267351D5}" type="datetimeFigureOut">
               <a:rPr lang="en-US" smtClean="0"/>
-              <a:t>7/9/2018</a:t>
+              <a:t>7/10/2018</a:t>
             </a:fld>
             <a:endParaRPr lang="en-US"/>
           </a:p>
@@ -2634,6 +2779,9 @@
             <a:off x="4800600" y="6459785"/>
             <a:ext cx="4648200" cy="365125"/>
           </a:xfrm>
+          <a:prstGeom prst="rect">
+            <a:avLst/>
+          </a:prstGeom>
         </p:spPr>
         <p:txBody>
           <a:bodyPr/>
@@ -2661,7 +2809,15 @@
             <p:ph type="sldNum" sz="quarter" idx="12"/>
           </p:nvPr>
         </p:nvSpPr>
-        <p:spPr/>
+        <p:spPr>
+          <a:xfrm>
+            <a:off x="9900458" y="6459785"/>
+            <a:ext cx="1312025" cy="365125"/>
+          </a:xfrm>
+          <a:prstGeom prst="rect">
+            <a:avLst/>
+          </a:prstGeom>
+        </p:spPr>
         <p:txBody>
           <a:bodyPr/>
           <a:lstStyle>
@@ -2983,14 +3139,22 @@
             <p:ph type="dt" sz="half" idx="10"/>
           </p:nvPr>
         </p:nvSpPr>
-        <p:spPr/>
+        <p:spPr>
+          <a:xfrm>
+            <a:off x="1097280" y="6459785"/>
+            <a:ext cx="2472271" cy="365125"/>
+          </a:xfrm>
+          <a:prstGeom prst="rect">
+            <a:avLst/>
+          </a:prstGeom>
+        </p:spPr>
         <p:txBody>
           <a:bodyPr/>
           <a:lstStyle/>
           <a:p>
             <a:fld id="{6943B7FB-ED37-47A9-99C4-A90F267351D5}" type="datetimeFigureOut">
               <a:rPr lang="en-US" smtClean="0"/>
-              <a:t>7/9/2018</a:t>
+              <a:t>7/10/2018</a:t>
             </a:fld>
             <a:endParaRPr lang="en-US"/>
           </a:p>
@@ -3006,7 +3170,15 @@
             <p:ph type="ftr" sz="quarter" idx="11"/>
           </p:nvPr>
         </p:nvSpPr>
-        <p:spPr/>
+        <p:spPr>
+          <a:xfrm>
+            <a:off x="3686185" y="6459785"/>
+            <a:ext cx="4822804" cy="365125"/>
+          </a:xfrm>
+          <a:prstGeom prst="rect">
+            <a:avLst/>
+          </a:prstGeom>
+        </p:spPr>
         <p:txBody>
           <a:bodyPr/>
           <a:lstStyle/>
@@ -3025,7 +3197,15 @@
             <p:ph type="sldNum" sz="quarter" idx="12"/>
           </p:nvPr>
         </p:nvSpPr>
-        <p:spPr/>
+        <p:spPr>
+          <a:xfrm>
+            <a:off x="9900458" y="6459785"/>
+            <a:ext cx="1312025" cy="365125"/>
+          </a:xfrm>
+          <a:prstGeom prst="rect">
+            <a:avLst/>
+          </a:prstGeom>
+        </p:spPr>
         <p:txBody>
           <a:bodyPr/>
           <a:lstStyle/>
@@ -3077,7 +3257,7 @@
         <p:nvSpPr>
           <p:cNvPr id="7" name="Rectangle 6"/>
           <p:cNvSpPr/>
-          <p:nvPr/>
+          <p:nvPr userDrawn="1"/>
         </p:nvSpPr>
         <p:spPr>
           <a:xfrm>
@@ -3241,119 +3421,6 @@
               <a:t>Fifth level</a:t>
             </a:r>
             <a:endParaRPr lang="en-US" dirty="0"/>
-          </a:p>
-        </p:txBody>
-      </p:sp>
-      <p:sp>
-        <p:nvSpPr>
-          <p:cNvPr id="4" name="Date Placeholder 3"/>
-          <p:cNvSpPr>
-            <a:spLocks noGrp="1"/>
-          </p:cNvSpPr>
-          <p:nvPr>
-            <p:ph type="dt" sz="half" idx="2"/>
-          </p:nvPr>
-        </p:nvSpPr>
-        <p:spPr>
-          <a:xfrm>
-            <a:off x="1097280" y="6459785"/>
-            <a:ext cx="2472271" cy="365125"/>
-          </a:xfrm>
-          <a:prstGeom prst="rect">
-            <a:avLst/>
-          </a:prstGeom>
-        </p:spPr>
-        <p:txBody>
-          <a:bodyPr vert="horz" lIns="91440" tIns="45720" rIns="91440" bIns="45720" rtlCol="0" anchor="ctr"/>
-          <a:lstStyle>
-            <a:lvl1pPr algn="l">
-              <a:defRPr sz="900">
-                <a:solidFill>
-                  <a:srgbClr val="FFFFFF"/>
-                </a:solidFill>
-              </a:defRPr>
-            </a:lvl1pPr>
-          </a:lstStyle>
-          <a:p>
-            <a:fld id="{6943B7FB-ED37-47A9-99C4-A90F267351D5}" type="datetimeFigureOut">
-              <a:rPr lang="en-US" smtClean="0"/>
-              <a:t>7/9/2018</a:t>
-            </a:fld>
-            <a:endParaRPr lang="en-US"/>
-          </a:p>
-        </p:txBody>
-      </p:sp>
-      <p:sp>
-        <p:nvSpPr>
-          <p:cNvPr id="5" name="Footer Placeholder 4"/>
-          <p:cNvSpPr>
-            <a:spLocks noGrp="1"/>
-          </p:cNvSpPr>
-          <p:nvPr>
-            <p:ph type="ftr" sz="quarter" idx="3"/>
-          </p:nvPr>
-        </p:nvSpPr>
-        <p:spPr>
-          <a:xfrm>
-            <a:off x="3686185" y="6459785"/>
-            <a:ext cx="4822804" cy="365125"/>
-          </a:xfrm>
-          <a:prstGeom prst="rect">
-            <a:avLst/>
-          </a:prstGeom>
-        </p:spPr>
-        <p:txBody>
-          <a:bodyPr vert="horz" lIns="91440" tIns="45720" rIns="91440" bIns="45720" rtlCol="0" anchor="ctr"/>
-          <a:lstStyle>
-            <a:lvl1pPr algn="ctr">
-              <a:defRPr sz="900" cap="all" baseline="0">
-                <a:solidFill>
-                  <a:srgbClr val="FFFFFF"/>
-                </a:solidFill>
-              </a:defRPr>
-            </a:lvl1pPr>
-          </a:lstStyle>
-          <a:p>
-            <a:endParaRPr lang="en-US"/>
-          </a:p>
-        </p:txBody>
-      </p:sp>
-      <p:sp>
-        <p:nvSpPr>
-          <p:cNvPr id="6" name="Slide Number Placeholder 5"/>
-          <p:cNvSpPr>
-            <a:spLocks noGrp="1"/>
-          </p:cNvSpPr>
-          <p:nvPr>
-            <p:ph type="sldNum" sz="quarter" idx="4"/>
-          </p:nvPr>
-        </p:nvSpPr>
-        <p:spPr>
-          <a:xfrm>
-            <a:off x="9900458" y="6459785"/>
-            <a:ext cx="1312025" cy="365125"/>
-          </a:xfrm>
-          <a:prstGeom prst="rect">
-            <a:avLst/>
-          </a:prstGeom>
-        </p:spPr>
-        <p:txBody>
-          <a:bodyPr vert="horz" lIns="91440" tIns="45720" rIns="91440" bIns="45720" rtlCol="0" anchor="ctr"/>
-          <a:lstStyle>
-            <a:lvl1pPr algn="r">
-              <a:defRPr sz="1050">
-                <a:solidFill>
-                  <a:srgbClr val="FFFFFF"/>
-                </a:solidFill>
-              </a:defRPr>
-            </a:lvl1pPr>
-          </a:lstStyle>
-          <a:p>
-            <a:fld id="{1648FA50-19F3-48CE-91F6-54990F9D1E9B}" type="slidenum">
-              <a:rPr lang="en-US" smtClean="0"/>
-              <a:t>‹#›</a:t>
-            </a:fld>
-            <a:endParaRPr lang="en-US"/>
           </a:p>
         </p:txBody>
       </p:sp>
@@ -3416,6 +3483,13 @@
     <p:sldLayoutId id="2147483682" r:id="rId10"/>
     <p:sldLayoutId id="2147483683" r:id="rId11"/>
   </p:sldLayoutIdLst>
+  <p:timing>
+    <p:tnLst>
+      <p:par>
+        <p:cTn id="1" dur="indefinite" restart="never" nodeType="tmRoot"/>
+      </p:par>
+    </p:tnLst>
+  </p:timing>
   <p:txStyles>
     <p:titleStyle>
       <a:lvl1pPr algn="l" defTabSz="914400" rtl="0" eaLnBrk="1" latinLnBrk="0" hangingPunct="1">
@@ -3811,7 +3885,12 @@
             <p:ph type="ctrTitle"/>
           </p:nvPr>
         </p:nvSpPr>
-        <p:spPr/>
+        <p:spPr>
+          <a:xfrm>
+            <a:off x="1069984" y="758952"/>
+            <a:ext cx="10058400" cy="3566160"/>
+          </a:xfrm>
+        </p:spPr>
         <p:txBody>
           <a:bodyPr/>
           <a:lstStyle/>
@@ -3834,7 +3913,12 @@
             <p:ph type="subTitle" idx="1"/>
           </p:nvPr>
         </p:nvSpPr>
-        <p:spPr/>
+        <p:spPr>
+          <a:xfrm>
+            <a:off x="1086403" y="4455621"/>
+            <a:ext cx="10058400" cy="1143000"/>
+          </a:xfrm>
+        </p:spPr>
         <p:txBody>
           <a:bodyPr/>
           <a:lstStyle/>
@@ -4015,10 +4099,6 @@
           </a:bodyPr>
           <a:lstStyle/>
           <a:p>
-            <a:pPr marL="457200" indent="-457200">
-              <a:buFont typeface="Arial" panose="020B0604020202020204" pitchFamily="34" charset="0"/>
-              <a:buChar char="•"/>
-            </a:pPr>
             <a:r>
               <a:rPr lang="en-CA" sz="2800" dirty="0" smtClean="0">
                 <a:solidFill>
@@ -4032,10 +4112,6 @@
             </a:r>
           </a:p>
           <a:p>
-            <a:pPr marL="457200" indent="-457200">
-              <a:buFont typeface="Arial" panose="020B0604020202020204" pitchFamily="34" charset="0"/>
-              <a:buChar char="•"/>
-            </a:pPr>
             <a:endParaRPr lang="en-CA" sz="2800" dirty="0">
               <a:solidFill>
                 <a:schemeClr val="tx1">
@@ -4078,10 +4154,6 @@
           </a:bodyPr>
           <a:lstStyle/>
           <a:p>
-            <a:pPr marL="457200" indent="-457200">
-              <a:buFont typeface="Arial" panose="020B0604020202020204" pitchFamily="34" charset="0"/>
-              <a:buChar char="•"/>
-            </a:pPr>
             <a:r>
               <a:rPr lang="en-CA" sz="2800" dirty="0" smtClean="0">
                 <a:solidFill>
@@ -4095,10 +4167,6 @@
             </a:r>
           </a:p>
           <a:p>
-            <a:pPr marL="457200" indent="-457200">
-              <a:buFont typeface="Arial" panose="020B0604020202020204" pitchFamily="34" charset="0"/>
-              <a:buChar char="•"/>
-            </a:pPr>
             <a:endParaRPr lang="en-CA" sz="2800" dirty="0" smtClean="0">
               <a:solidFill>
                 <a:schemeClr val="tx1">
@@ -4119,7 +4187,7 @@
         <p:spPr>
           <a:xfrm>
             <a:off x="1097280" y="4226245"/>
-            <a:ext cx="5159874" cy="523220"/>
+            <a:ext cx="5012398" cy="523220"/>
           </a:xfrm>
           <a:prstGeom prst="rect">
             <a:avLst/>
@@ -4131,10 +4199,6 @@
           </a:bodyPr>
           <a:lstStyle/>
           <a:p>
-            <a:pPr marL="457200" indent="-457200">
-              <a:buFont typeface="Arial" panose="020B0604020202020204" pitchFamily="34" charset="0"/>
-              <a:buChar char="•"/>
-            </a:pPr>
             <a:r>
               <a:rPr lang="en-CA" sz="2800" dirty="0" smtClean="0">
                 <a:solidFill>
@@ -4144,16 +4208,19 @@
                   </a:schemeClr>
                 </a:solidFill>
               </a:rPr>
-              <a:t>Visualize snap shot of variables</a:t>
-            </a:r>
-            <a:endParaRPr lang="en-CA" sz="2800" dirty="0" smtClean="0">
-              <a:solidFill>
-                <a:schemeClr val="tx1">
-                  <a:lumMod val="75000"/>
-                  <a:lumOff val="25000"/>
-                </a:schemeClr>
-              </a:solidFill>
-            </a:endParaRPr>
+              <a:t>Visualized </a:t>
+            </a:r>
+            <a:r>
+              <a:rPr lang="en-CA" sz="2800" dirty="0" smtClean="0">
+                <a:solidFill>
+                  <a:schemeClr val="tx1">
+                    <a:lumMod val="75000"/>
+                    <a:lumOff val="25000"/>
+                  </a:schemeClr>
+                </a:solidFill>
+              </a:rPr>
+              <a:t>snap shot of variables</a:t>
+            </a:r>
           </a:p>
         </p:txBody>
       </p:sp>
@@ -4435,8 +4502,12 @@
               <a:t>Centralizes </a:t>
             </a:r>
             <a:r>
+              <a:rPr lang="en-CA" sz="2800" dirty="0" smtClean="0"/>
+              <a:t>main </a:t>
+            </a:r>
+            <a:r>
               <a:rPr lang="en-CA" sz="2800" dirty="0"/>
-              <a:t>the main important features of all the </a:t>
+              <a:t>important features of </a:t>
             </a:r>
             <a:r>
               <a:rPr lang="en-CA" sz="2800" dirty="0" smtClean="0"/>
@@ -4454,7 +4525,7 @@
         </p:nvSpPr>
         <p:spPr>
           <a:xfrm>
-            <a:off x="1097279" y="2344742"/>
+            <a:off x="1083631" y="2344742"/>
             <a:ext cx="8232987" cy="954107"/>
           </a:xfrm>
           <a:prstGeom prst="rect">
@@ -4842,41 +4913,1092 @@
           </a:p>
         </p:txBody>
       </p:sp>
-      <p:sp>
-        <p:nvSpPr>
-          <p:cNvPr id="5" name="TextBox 4"/>
-          <p:cNvSpPr txBox="1"/>
+      <p:pic>
+        <p:nvPicPr>
+          <p:cNvPr id="1026" name="Picture 2" descr="Image result for live demo">
+            <a:hlinkClick r:id="rId2"/>
+          </p:cNvPr>
+          <p:cNvPicPr>
+            <a:picLocks noChangeAspect="1" noChangeArrowheads="1"/>
+          </p:cNvPicPr>
           <p:nvPr/>
-        </p:nvSpPr>
-        <p:spPr>
-          <a:xfrm>
-            <a:off x="8171543" y="4949371"/>
-            <a:ext cx="3556000" cy="707886"/>
+        </p:nvPicPr>
+        <p:blipFill rotWithShape="1">
+          <a:blip r:embed="rId3">
+            <a:extLst>
+              <a:ext uri="{28A0092B-C50C-407E-A947-70E740481C1C}">
+                <a14:useLocalDpi xmlns:a14="http://schemas.microsoft.com/office/drawing/2010/main" val="0"/>
+              </a:ext>
+            </a:extLst>
+          </a:blip>
+          <a:srcRect l="9732" t="22065" r="9419" b="19763"/>
+          <a:stretch/>
+        </p:blipFill>
+        <p:spPr bwMode="auto">
+          <a:xfrm>
+            <a:off x="8338783" y="4744880"/>
+            <a:ext cx="3179928" cy="1287429"/>
           </a:xfrm>
           <a:prstGeom prst="rect">
             <a:avLst/>
           </a:prstGeom>
           <a:noFill/>
-        </p:spPr>
-        <p:txBody>
-          <a:bodyPr wrap="square" rtlCol="0">
-            <a:spAutoFit/>
-          </a:bodyPr>
-          <a:lstStyle/>
-          <a:p>
-            <a:pPr algn="ctr"/>
-            <a:r>
-              <a:rPr lang="en-CA" sz="4000" dirty="0" smtClean="0"/>
-              <a:t>Live Demo</a:t>
-            </a:r>
-            <a:endParaRPr lang="en-US" sz="4000" dirty="0"/>
-          </a:p>
-        </p:txBody>
-      </p:sp>
+          <a:extLst>
+            <a:ext uri="{909E8E84-426E-40DD-AFC4-6F175D3DCCD1}">
+              <a14:hiddenFill xmlns:a14="http://schemas.microsoft.com/office/drawing/2010/main">
+                <a:solidFill>
+                  <a:srgbClr val="FFFFFF"/>
+                </a:solidFill>
+              </a14:hiddenFill>
+            </a:ext>
+          </a:extLst>
+        </p:spPr>
+      </p:pic>
     </p:spTree>
     <p:extLst>
       <p:ext uri="{BB962C8B-B14F-4D97-AF65-F5344CB8AC3E}">
         <p14:creationId xmlns:p14="http://schemas.microsoft.com/office/powerpoint/2010/main" val="2269960995"/>
+      </p:ext>
+    </p:extLst>
+  </p:cSld>
+  <p:clrMapOvr>
+    <a:masterClrMapping/>
+  </p:clrMapOvr>
+  <p:timing>
+    <p:tnLst>
+      <p:par>
+        <p:cTn id="1" dur="indefinite" restart="never" nodeType="tmRoot">
+          <p:childTnLst>
+            <p:seq concurrent="1" nextAc="seek">
+              <p:cTn id="2" dur="indefinite" nodeType="mainSeq">
+                <p:childTnLst>
+                  <p:par>
+                    <p:cTn id="3" fill="hold">
+                      <p:stCondLst>
+                        <p:cond delay="indefinite"/>
+                      </p:stCondLst>
+                      <p:childTnLst>
+                        <p:par>
+                          <p:cTn id="4" fill="hold">
+                            <p:stCondLst>
+                              <p:cond delay="0"/>
+                            </p:stCondLst>
+                            <p:childTnLst>
+                              <p:par>
+                                <p:cTn id="5" presetID="10" presetClass="entr" presetSubtype="0" fill="hold" grpId="0" nodeType="clickEffect">
+                                  <p:stCondLst>
+                                    <p:cond delay="0"/>
+                                  </p:stCondLst>
+                                  <p:childTnLst>
+                                    <p:set>
+                                      <p:cBhvr>
+                                        <p:cTn id="6" dur="1" fill="hold">
+                                          <p:stCondLst>
+                                            <p:cond delay="0"/>
+                                          </p:stCondLst>
+                                        </p:cTn>
+                                        <p:tgtEl>
+                                          <p:spTgt spid="4"/>
+                                        </p:tgtEl>
+                                        <p:attrNameLst>
+                                          <p:attrName>style.visibility</p:attrName>
+                                        </p:attrNameLst>
+                                      </p:cBhvr>
+                                      <p:to>
+                                        <p:strVal val="visible"/>
+                                      </p:to>
+                                    </p:set>
+                                    <p:animEffect transition="in" filter="fade">
+                                      <p:cBhvr>
+                                        <p:cTn id="7" dur="500"/>
+                                        <p:tgtEl>
+                                          <p:spTgt spid="4"/>
+                                        </p:tgtEl>
+                                      </p:cBhvr>
+                                    </p:animEffect>
+                                  </p:childTnLst>
+                                </p:cTn>
+                              </p:par>
+                            </p:childTnLst>
+                          </p:cTn>
+                        </p:par>
+                      </p:childTnLst>
+                    </p:cTn>
+                  </p:par>
+                  <p:par>
+                    <p:cTn id="8" fill="hold">
+                      <p:stCondLst>
+                        <p:cond delay="indefinite"/>
+                      </p:stCondLst>
+                      <p:childTnLst>
+                        <p:par>
+                          <p:cTn id="9" fill="hold">
+                            <p:stCondLst>
+                              <p:cond delay="0"/>
+                            </p:stCondLst>
+                            <p:childTnLst>
+                              <p:par>
+                                <p:cTn id="10" presetID="10" presetClass="entr" presetSubtype="0" fill="hold" nodeType="clickEffect">
+                                  <p:stCondLst>
+                                    <p:cond delay="0"/>
+                                  </p:stCondLst>
+                                  <p:childTnLst>
+                                    <p:set>
+                                      <p:cBhvr>
+                                        <p:cTn id="11" dur="1" fill="hold">
+                                          <p:stCondLst>
+                                            <p:cond delay="0"/>
+                                          </p:stCondLst>
+                                        </p:cTn>
+                                        <p:tgtEl>
+                                          <p:spTgt spid="1026"/>
+                                        </p:tgtEl>
+                                        <p:attrNameLst>
+                                          <p:attrName>style.visibility</p:attrName>
+                                        </p:attrNameLst>
+                                      </p:cBhvr>
+                                      <p:to>
+                                        <p:strVal val="visible"/>
+                                      </p:to>
+                                    </p:set>
+                                    <p:animEffect transition="in" filter="fade">
+                                      <p:cBhvr>
+                                        <p:cTn id="12" dur="500"/>
+                                        <p:tgtEl>
+                                          <p:spTgt spid="1026"/>
+                                        </p:tgtEl>
+                                      </p:cBhvr>
+                                    </p:animEffect>
+                                  </p:childTnLst>
+                                </p:cTn>
+                              </p:par>
+                            </p:childTnLst>
+                          </p:cTn>
+                        </p:par>
+                      </p:childTnLst>
+                    </p:cTn>
+                  </p:par>
+                </p:childTnLst>
+              </p:cTn>
+              <p:prevCondLst>
+                <p:cond evt="onPrev" delay="0">
+                  <p:tgtEl>
+                    <p:sldTgt/>
+                  </p:tgtEl>
+                </p:cond>
+              </p:prevCondLst>
+              <p:nextCondLst>
+                <p:cond evt="onNext" delay="0">
+                  <p:tgtEl>
+                    <p:sldTgt/>
+                  </p:tgtEl>
+                </p:cond>
+              </p:nextCondLst>
+            </p:seq>
+          </p:childTnLst>
+        </p:cTn>
+      </p:par>
+    </p:tnLst>
+    <p:bldLst>
+      <p:bldP spid="4" grpId="0"/>
+    </p:bldLst>
+  </p:timing>
+</p:sld>
+</file>
+
+<file path=ppt/slides/slide5.xml><?xml version="1.0" encoding="utf-8"?>
+<p:sld xmlns:a="http://schemas.openxmlformats.org/drawingml/2006/main" xmlns:r="http://schemas.openxmlformats.org/officeDocument/2006/relationships" xmlns:p="http://schemas.openxmlformats.org/presentationml/2006/main">
+  <p:cSld>
+    <p:spTree>
+      <p:nvGrpSpPr>
+        <p:cNvPr id="1" name=""/>
+        <p:cNvGrpSpPr/>
+        <p:nvPr/>
+      </p:nvGrpSpPr>
+      <p:grpSpPr>
+        <a:xfrm>
+          <a:off x="0" y="0"/>
+          <a:ext cx="0" cy="0"/>
+          <a:chOff x="0" y="0"/>
+          <a:chExt cx="0" cy="0"/>
+        </a:xfrm>
+      </p:grpSpPr>
+      <p:sp>
+        <p:nvSpPr>
+          <p:cNvPr id="2" name="Title 1"/>
+          <p:cNvSpPr>
+            <a:spLocks noGrp="1"/>
+          </p:cNvSpPr>
+          <p:nvPr>
+            <p:ph type="title"/>
+          </p:nvPr>
+        </p:nvSpPr>
+        <p:spPr/>
+        <p:txBody>
+          <a:bodyPr/>
+          <a:lstStyle/>
+          <a:p>
+            <a:r>
+              <a:rPr lang="en-CA" b="1" dirty="0" smtClean="0"/>
+              <a:t>Architecture</a:t>
+            </a:r>
+            <a:endParaRPr lang="en-US" b="1" dirty="0"/>
+          </a:p>
+        </p:txBody>
+      </p:sp>
+      <p:sp>
+        <p:nvSpPr>
+          <p:cNvPr id="13" name="Text Box 2"/>
+          <p:cNvSpPr txBox="1">
+            <a:spLocks noChangeArrowheads="1"/>
+          </p:cNvSpPr>
+          <p:nvPr/>
+        </p:nvSpPr>
+        <p:spPr bwMode="auto">
+          <a:xfrm>
+            <a:off x="533592" y="4519578"/>
+            <a:ext cx="2934268" cy="1268149"/>
+          </a:xfrm>
+          <a:prstGeom prst="roundRect">
+            <a:avLst/>
+          </a:prstGeom>
+          <a:solidFill>
+            <a:srgbClr val="FFFFFF"/>
+          </a:solidFill>
+          <a:ln w="9525">
+            <a:solidFill>
+              <a:srgbClr val="000000"/>
+            </a:solidFill>
+            <a:miter lim="800000"/>
+            <a:headEnd/>
+            <a:tailEnd/>
+          </a:ln>
+        </p:spPr>
+        <p:txBody>
+          <a:bodyPr rot="0" vert="horz" wrap="square" lIns="91440" tIns="45720" rIns="91440" bIns="45720" anchor="t" anchorCtr="0">
+            <a:spAutoFit/>
+          </a:bodyPr>
+          <a:lstStyle/>
+          <a:p>
+            <a:pPr marL="0" marR="0" algn="ctr">
+              <a:lnSpc>
+                <a:spcPct val="107000"/>
+              </a:lnSpc>
+              <a:spcBef>
+                <a:spcPts val="0"/>
+              </a:spcBef>
+              <a:spcAft>
+                <a:spcPts val="800"/>
+              </a:spcAft>
+            </a:pPr>
+            <a:r>
+              <a:rPr lang="en-US" sz="1600" dirty="0">
+                <a:effectLst/>
+                <a:latin typeface="Calibri" panose="020F0502020204030204" pitchFamily="34" charset="0"/>
+                <a:ea typeface="Calibri" panose="020F0502020204030204" pitchFamily="34" charset="0"/>
+                <a:cs typeface="Arial" panose="020B0604020202020204" pitchFamily="34" charset="0"/>
+              </a:rPr>
+              <a:t>User need to generate a dataset with X variables and Y observations in a pandas </a:t>
+            </a:r>
+            <a:r>
+              <a:rPr lang="en-US" sz="1600" dirty="0" err="1">
+                <a:effectLst/>
+                <a:latin typeface="Calibri" panose="020F0502020204030204" pitchFamily="34" charset="0"/>
+                <a:ea typeface="Calibri" panose="020F0502020204030204" pitchFamily="34" charset="0"/>
+                <a:cs typeface="Arial" panose="020B0604020202020204" pitchFamily="34" charset="0"/>
+              </a:rPr>
+              <a:t>dataframe</a:t>
+            </a:r>
+            <a:r>
+              <a:rPr lang="en-US" sz="1600" dirty="0">
+                <a:effectLst/>
+                <a:latin typeface="Calibri" panose="020F0502020204030204" pitchFamily="34" charset="0"/>
+                <a:ea typeface="Calibri" panose="020F0502020204030204" pitchFamily="34" charset="0"/>
+                <a:cs typeface="Arial" panose="020B0604020202020204" pitchFamily="34" charset="0"/>
+              </a:rPr>
+              <a:t> or csv formatting</a:t>
+            </a:r>
+          </a:p>
+        </p:txBody>
+      </p:sp>
+      <p:sp>
+        <p:nvSpPr>
+          <p:cNvPr id="14" name="Text Box 2"/>
+          <p:cNvSpPr txBox="1">
+            <a:spLocks noChangeArrowheads="1"/>
+          </p:cNvSpPr>
+          <p:nvPr/>
+        </p:nvSpPr>
+        <p:spPr bwMode="auto">
+          <a:xfrm>
+            <a:off x="3894135" y="4519579"/>
+            <a:ext cx="1575853" cy="1298212"/>
+          </a:xfrm>
+          <a:prstGeom prst="roundRect">
+            <a:avLst/>
+          </a:prstGeom>
+          <a:solidFill>
+            <a:srgbClr val="FFFFFF"/>
+          </a:solidFill>
+          <a:ln w="9525">
+            <a:solidFill>
+              <a:srgbClr val="000000"/>
+            </a:solidFill>
+            <a:miter lim="800000"/>
+            <a:headEnd/>
+            <a:tailEnd/>
+          </a:ln>
+        </p:spPr>
+        <p:txBody>
+          <a:bodyPr rot="0" vert="horz" wrap="square" lIns="91440" tIns="45720" rIns="91440" bIns="45720" anchor="t" anchorCtr="0">
+            <a:noAutofit/>
+          </a:bodyPr>
+          <a:lstStyle/>
+          <a:p>
+            <a:pPr marL="0" marR="0" algn="ctr">
+              <a:lnSpc>
+                <a:spcPct val="107000"/>
+              </a:lnSpc>
+              <a:spcBef>
+                <a:spcPts val="0"/>
+              </a:spcBef>
+              <a:spcAft>
+                <a:spcPts val="800"/>
+              </a:spcAft>
+            </a:pPr>
+            <a:r>
+              <a:rPr lang="en-US" sz="1600" dirty="0">
+                <a:effectLst/>
+                <a:latin typeface="Calibri" panose="020F0502020204030204" pitchFamily="34" charset="0"/>
+                <a:ea typeface="Calibri" panose="020F0502020204030204" pitchFamily="34" charset="0"/>
+                <a:cs typeface="Arial" panose="020B0604020202020204" pitchFamily="34" charset="0"/>
+              </a:rPr>
+              <a:t>User need to provide the name/location of the </a:t>
+            </a:r>
+            <a:r>
+              <a:rPr lang="en-US" sz="1600" dirty="0" smtClean="0">
+                <a:effectLst/>
+                <a:latin typeface="Calibri" panose="020F0502020204030204" pitchFamily="34" charset="0"/>
+                <a:ea typeface="Calibri" panose="020F0502020204030204" pitchFamily="34" charset="0"/>
+                <a:cs typeface="Arial" panose="020B0604020202020204" pitchFamily="34" charset="0"/>
+              </a:rPr>
+              <a:t>dataset</a:t>
+            </a:r>
+            <a:endParaRPr lang="en-US" sz="1600" dirty="0">
+              <a:effectLst/>
+              <a:latin typeface="Calibri" panose="020F0502020204030204" pitchFamily="34" charset="0"/>
+              <a:ea typeface="Calibri" panose="020F0502020204030204" pitchFamily="34" charset="0"/>
+              <a:cs typeface="Arial" panose="020B0604020202020204" pitchFamily="34" charset="0"/>
+            </a:endParaRPr>
+          </a:p>
+        </p:txBody>
+      </p:sp>
+      <p:sp>
+        <p:nvSpPr>
+          <p:cNvPr id="15" name="Text Box 2"/>
+          <p:cNvSpPr txBox="1">
+            <a:spLocks noChangeArrowheads="1"/>
+          </p:cNvSpPr>
+          <p:nvPr/>
+        </p:nvSpPr>
+        <p:spPr bwMode="auto">
+          <a:xfrm>
+            <a:off x="5853740" y="4496623"/>
+            <a:ext cx="2676104" cy="1268149"/>
+          </a:xfrm>
+          <a:prstGeom prst="roundRect">
+            <a:avLst/>
+          </a:prstGeom>
+          <a:solidFill>
+            <a:srgbClr val="FFFFFF"/>
+          </a:solidFill>
+          <a:ln w="9525">
+            <a:solidFill>
+              <a:srgbClr val="000000"/>
+            </a:solidFill>
+            <a:miter lim="800000"/>
+            <a:headEnd/>
+            <a:tailEnd/>
+          </a:ln>
+        </p:spPr>
+        <p:txBody>
+          <a:bodyPr rot="0" vert="horz" wrap="square" lIns="91440" tIns="45720" rIns="91440" bIns="45720" anchor="t" anchorCtr="0">
+            <a:spAutoFit/>
+          </a:bodyPr>
+          <a:lstStyle/>
+          <a:p>
+            <a:pPr algn="ctr">
+              <a:lnSpc>
+                <a:spcPct val="107000"/>
+              </a:lnSpc>
+              <a:spcAft>
+                <a:spcPts val="800"/>
+              </a:spcAft>
+            </a:pPr>
+            <a:r>
+              <a:rPr lang="en-US" sz="1600" dirty="0">
+                <a:effectLst/>
+                <a:latin typeface="Calibri" panose="020F0502020204030204" pitchFamily="34" charset="0"/>
+                <a:ea typeface="Calibri" panose="020F0502020204030204" pitchFamily="34" charset="0"/>
+                <a:cs typeface="Arial" panose="020B0604020202020204" pitchFamily="34" charset="0"/>
+              </a:rPr>
+              <a:t>Generate and store automatically in a file named </a:t>
+            </a:r>
+            <a:r>
+              <a:rPr lang="en-US" sz="1600" dirty="0">
+                <a:latin typeface="Calibri" panose="020F0502020204030204" pitchFamily="34" charset="0"/>
+                <a:ea typeface="Calibri" panose="020F0502020204030204" pitchFamily="34" charset="0"/>
+                <a:cs typeface="Arial" panose="020B0604020202020204" pitchFamily="34" charset="0"/>
+              </a:rPr>
+              <a:t>“</a:t>
+            </a:r>
+            <a:r>
+              <a:rPr lang="en-US" sz="1600" dirty="0" err="1" smtClean="0">
+                <a:solidFill>
+                  <a:srgbClr val="FF0000"/>
+                </a:solidFill>
+                <a:latin typeface="Calibri" panose="020F0502020204030204" pitchFamily="34" charset="0"/>
+                <a:ea typeface="Calibri" panose="020F0502020204030204" pitchFamily="34" charset="0"/>
+                <a:cs typeface="Arial" panose="020B0604020202020204" pitchFamily="34" charset="0"/>
+              </a:rPr>
+              <a:t>Graphs_for_seenopsis</a:t>
+            </a:r>
+            <a:r>
+              <a:rPr lang="en-US" sz="1600" dirty="0" smtClean="0">
+                <a:effectLst/>
+                <a:latin typeface="Calibri" panose="020F0502020204030204" pitchFamily="34" charset="0"/>
+                <a:ea typeface="Calibri" panose="020F0502020204030204" pitchFamily="34" charset="0"/>
+                <a:cs typeface="Arial" panose="020B0604020202020204" pitchFamily="34" charset="0"/>
+              </a:rPr>
+              <a:t>”</a:t>
+            </a:r>
+            <a:endParaRPr lang="en-US" sz="1600" dirty="0">
+              <a:effectLst/>
+              <a:latin typeface="Calibri" panose="020F0502020204030204" pitchFamily="34" charset="0"/>
+              <a:ea typeface="Calibri" panose="020F0502020204030204" pitchFamily="34" charset="0"/>
+              <a:cs typeface="Arial" panose="020B0604020202020204" pitchFamily="34" charset="0"/>
+            </a:endParaRPr>
+          </a:p>
+        </p:txBody>
+      </p:sp>
+      <p:sp>
+        <p:nvSpPr>
+          <p:cNvPr id="16" name="Text Box 2"/>
+          <p:cNvSpPr txBox="1">
+            <a:spLocks noChangeArrowheads="1"/>
+          </p:cNvSpPr>
+          <p:nvPr/>
+        </p:nvSpPr>
+        <p:spPr bwMode="auto">
+          <a:xfrm>
+            <a:off x="8920224" y="4535397"/>
+            <a:ext cx="2926033" cy="919401"/>
+          </a:xfrm>
+          <a:prstGeom prst="roundRect">
+            <a:avLst/>
+          </a:prstGeom>
+          <a:solidFill>
+            <a:srgbClr val="FFFFFF"/>
+          </a:solidFill>
+          <a:ln w="9525">
+            <a:solidFill>
+              <a:srgbClr val="000000"/>
+            </a:solidFill>
+            <a:miter lim="800000"/>
+            <a:headEnd/>
+            <a:tailEnd/>
+          </a:ln>
+        </p:spPr>
+        <p:txBody>
+          <a:bodyPr rot="0" vert="horz" wrap="square" lIns="91440" tIns="45720" rIns="91440" bIns="45720" anchor="t" anchorCtr="0">
+            <a:spAutoFit/>
+          </a:bodyPr>
+          <a:lstStyle/>
+          <a:p>
+            <a:pPr algn="ctr">
+              <a:spcAft>
+                <a:spcPts val="1200"/>
+              </a:spcAft>
+            </a:pPr>
+            <a:r>
+              <a:rPr lang="en-US" sz="1600" dirty="0">
+                <a:effectLst/>
+                <a:latin typeface="Calibri" panose="020F0502020204030204" pitchFamily="34" charset="0"/>
+                <a:ea typeface="Calibri" panose="020F0502020204030204" pitchFamily="34" charset="0"/>
+                <a:cs typeface="Arial" panose="020B0604020202020204" pitchFamily="34" charset="0"/>
+              </a:rPr>
+              <a:t>Generate and open automatically under the name </a:t>
+            </a:r>
+            <a:r>
+              <a:rPr lang="en-US" sz="1600" dirty="0" smtClean="0">
+                <a:latin typeface="Calibri" panose="020F0502020204030204" pitchFamily="34" charset="0"/>
+                <a:ea typeface="Calibri" panose="020F0502020204030204" pitchFamily="34" charset="0"/>
+                <a:cs typeface="Arial" panose="020B0604020202020204" pitchFamily="34" charset="0"/>
+              </a:rPr>
+              <a:t>“</a:t>
+            </a:r>
+            <a:r>
+              <a:rPr lang="en-US" sz="1600" dirty="0" smtClean="0">
+                <a:solidFill>
+                  <a:srgbClr val="FF0000"/>
+                </a:solidFill>
+                <a:latin typeface="Calibri" panose="020F0502020204030204" pitchFamily="34" charset="0"/>
+                <a:ea typeface="Calibri" panose="020F0502020204030204" pitchFamily="34" charset="0"/>
+                <a:cs typeface="Arial" panose="020B0604020202020204" pitchFamily="34" charset="0"/>
+              </a:rPr>
+              <a:t>seenopsis_file_name.html</a:t>
+            </a:r>
+            <a:r>
+              <a:rPr lang="en-US" sz="1600" dirty="0" smtClean="0">
+                <a:effectLst/>
+                <a:latin typeface="Calibri" panose="020F0502020204030204" pitchFamily="34" charset="0"/>
+                <a:ea typeface="Calibri" panose="020F0502020204030204" pitchFamily="34" charset="0"/>
+                <a:cs typeface="Arial" panose="020B0604020202020204" pitchFamily="34" charset="0"/>
+              </a:rPr>
+              <a:t>”</a:t>
+            </a:r>
+          </a:p>
+        </p:txBody>
+      </p:sp>
+      <p:sp>
+        <p:nvSpPr>
+          <p:cNvPr id="5" name="Rounded Rectangle 4"/>
+          <p:cNvSpPr/>
+          <p:nvPr/>
+        </p:nvSpPr>
+        <p:spPr>
+          <a:xfrm>
+            <a:off x="1221182" y="2117671"/>
+            <a:ext cx="1559089" cy="825211"/>
+          </a:xfrm>
+          <a:prstGeom prst="roundRect">
+            <a:avLst/>
+          </a:prstGeom>
+          <a:solidFill>
+            <a:schemeClr val="accent1">
+              <a:lumMod val="75000"/>
+            </a:schemeClr>
+          </a:solidFill>
+        </p:spPr>
+        <p:style>
+          <a:lnRef idx="2">
+            <a:schemeClr val="accent1">
+              <a:shade val="50000"/>
+            </a:schemeClr>
+          </a:lnRef>
+          <a:fillRef idx="1">
+            <a:schemeClr val="accent1"/>
+          </a:fillRef>
+          <a:effectRef idx="0">
+            <a:schemeClr val="accent1"/>
+          </a:effectRef>
+          <a:fontRef idx="minor">
+            <a:schemeClr val="lt1"/>
+          </a:fontRef>
+        </p:style>
+        <p:txBody>
+          <a:bodyPr rot="0" spcFirstLastPara="0" vert="horz" wrap="square" lIns="91440" tIns="45720" rIns="91440" bIns="45720" numCol="1" spcCol="0" rtlCol="0" fromWordArt="0" anchor="ctr" anchorCtr="0" forceAA="0" compatLnSpc="1">
+            <a:prstTxWarp prst="textNoShape">
+              <a:avLst/>
+            </a:prstTxWarp>
+            <a:noAutofit/>
+          </a:bodyPr>
+          <a:lstStyle/>
+          <a:p>
+            <a:pPr marL="0" marR="0" algn="ctr">
+              <a:lnSpc>
+                <a:spcPct val="107000"/>
+              </a:lnSpc>
+              <a:spcBef>
+                <a:spcPts val="0"/>
+              </a:spcBef>
+              <a:spcAft>
+                <a:spcPts val="800"/>
+              </a:spcAft>
+            </a:pPr>
+            <a:r>
+              <a:rPr lang="en-US" sz="2400" dirty="0">
+                <a:effectLst/>
+                <a:ea typeface="Calibri" panose="020F0502020204030204" pitchFamily="34" charset="0"/>
+                <a:cs typeface="Arial" panose="020B0604020202020204" pitchFamily="34" charset="0"/>
+              </a:rPr>
+              <a:t>.CSV </a:t>
+            </a:r>
+          </a:p>
+        </p:txBody>
+      </p:sp>
+      <p:sp>
+        <p:nvSpPr>
+          <p:cNvPr id="6" name="Rounded Rectangle 5"/>
+          <p:cNvSpPr/>
+          <p:nvPr/>
+        </p:nvSpPr>
+        <p:spPr>
+          <a:xfrm>
+            <a:off x="1221182" y="3447667"/>
+            <a:ext cx="1559089" cy="869105"/>
+          </a:xfrm>
+          <a:prstGeom prst="roundRect">
+            <a:avLst/>
+          </a:prstGeom>
+          <a:solidFill>
+            <a:schemeClr val="accent1">
+              <a:lumMod val="75000"/>
+            </a:schemeClr>
+          </a:solidFill>
+        </p:spPr>
+        <p:style>
+          <a:lnRef idx="2">
+            <a:schemeClr val="accent1">
+              <a:shade val="50000"/>
+            </a:schemeClr>
+          </a:lnRef>
+          <a:fillRef idx="1">
+            <a:schemeClr val="accent1"/>
+          </a:fillRef>
+          <a:effectRef idx="0">
+            <a:schemeClr val="accent1"/>
+          </a:effectRef>
+          <a:fontRef idx="minor">
+            <a:schemeClr val="lt1"/>
+          </a:fontRef>
+        </p:style>
+        <p:txBody>
+          <a:bodyPr rot="0" spcFirstLastPara="0" vert="horz" wrap="square" lIns="91440" tIns="45720" rIns="91440" bIns="45720" numCol="1" spcCol="0" rtlCol="0" fromWordArt="0" anchor="ctr" anchorCtr="0" forceAA="0" compatLnSpc="1">
+            <a:prstTxWarp prst="textNoShape">
+              <a:avLst/>
+            </a:prstTxWarp>
+            <a:noAutofit/>
+          </a:bodyPr>
+          <a:lstStyle/>
+          <a:p>
+            <a:pPr marL="0" marR="0" algn="ctr">
+              <a:lnSpc>
+                <a:spcPct val="107000"/>
+              </a:lnSpc>
+              <a:spcBef>
+                <a:spcPts val="0"/>
+              </a:spcBef>
+              <a:spcAft>
+                <a:spcPts val="800"/>
+              </a:spcAft>
+            </a:pPr>
+            <a:r>
+              <a:rPr lang="en-US" sz="2400" dirty="0">
+                <a:effectLst/>
+                <a:ea typeface="Calibri" panose="020F0502020204030204" pitchFamily="34" charset="0"/>
+                <a:cs typeface="Arial" panose="020B0604020202020204" pitchFamily="34" charset="0"/>
+              </a:rPr>
+              <a:t>Pandas </a:t>
+            </a:r>
+            <a:r>
+              <a:rPr lang="en-US" sz="2400" dirty="0" err="1">
+                <a:effectLst/>
+                <a:ea typeface="Calibri" panose="020F0502020204030204" pitchFamily="34" charset="0"/>
+                <a:cs typeface="Arial" panose="020B0604020202020204" pitchFamily="34" charset="0"/>
+              </a:rPr>
+              <a:t>dataframe</a:t>
+            </a:r>
+            <a:r>
+              <a:rPr lang="en-US" sz="2400" dirty="0">
+                <a:effectLst/>
+                <a:ea typeface="Calibri" panose="020F0502020204030204" pitchFamily="34" charset="0"/>
+                <a:cs typeface="Arial" panose="020B0604020202020204" pitchFamily="34" charset="0"/>
+              </a:rPr>
+              <a:t> </a:t>
+            </a:r>
+          </a:p>
+        </p:txBody>
+      </p:sp>
+      <p:sp>
+        <p:nvSpPr>
+          <p:cNvPr id="7" name="Rounded Rectangle 6"/>
+          <p:cNvSpPr/>
+          <p:nvPr/>
+        </p:nvSpPr>
+        <p:spPr>
+          <a:xfrm>
+            <a:off x="3894135" y="2973608"/>
+            <a:ext cx="1575853" cy="671581"/>
+          </a:xfrm>
+          <a:prstGeom prst="roundRect">
+            <a:avLst/>
+          </a:prstGeom>
+          <a:solidFill>
+            <a:schemeClr val="accent1"/>
+          </a:solidFill>
+        </p:spPr>
+        <p:style>
+          <a:lnRef idx="2">
+            <a:schemeClr val="accent1">
+              <a:shade val="50000"/>
+            </a:schemeClr>
+          </a:lnRef>
+          <a:fillRef idx="1">
+            <a:schemeClr val="accent1"/>
+          </a:fillRef>
+          <a:effectRef idx="0">
+            <a:schemeClr val="accent1"/>
+          </a:effectRef>
+          <a:fontRef idx="minor">
+            <a:schemeClr val="lt1"/>
+          </a:fontRef>
+        </p:style>
+        <p:txBody>
+          <a:bodyPr rot="0" spcFirstLastPara="0" vert="horz" wrap="square" lIns="91440" tIns="45720" rIns="91440" bIns="45720" numCol="1" spcCol="0" rtlCol="0" fromWordArt="0" anchor="ctr" anchorCtr="0" forceAA="0" compatLnSpc="1">
+            <a:prstTxWarp prst="textNoShape">
+              <a:avLst/>
+            </a:prstTxWarp>
+            <a:noAutofit/>
+          </a:bodyPr>
+          <a:lstStyle/>
+          <a:p>
+            <a:pPr marL="0" marR="0" algn="ctr">
+              <a:lnSpc>
+                <a:spcPct val="107000"/>
+              </a:lnSpc>
+              <a:spcBef>
+                <a:spcPts val="0"/>
+              </a:spcBef>
+              <a:spcAft>
+                <a:spcPts val="800"/>
+              </a:spcAft>
+            </a:pPr>
+            <a:r>
+              <a:rPr lang="en-US" sz="2400" b="1" dirty="0" err="1">
+                <a:effectLst/>
+                <a:ea typeface="Calibri" panose="020F0502020204030204" pitchFamily="34" charset="0"/>
+                <a:cs typeface="Arial" panose="020B0604020202020204" pitchFamily="34" charset="0"/>
+              </a:rPr>
+              <a:t>seenopsis</a:t>
+            </a:r>
+            <a:r>
+              <a:rPr lang="en-US" sz="2400" b="1" dirty="0">
+                <a:effectLst/>
+                <a:ea typeface="Calibri" panose="020F0502020204030204" pitchFamily="34" charset="0"/>
+                <a:cs typeface="Arial" panose="020B0604020202020204" pitchFamily="34" charset="0"/>
+              </a:rPr>
+              <a:t> </a:t>
+            </a:r>
+            <a:endParaRPr lang="en-US" sz="2400" dirty="0">
+              <a:effectLst/>
+              <a:ea typeface="Calibri" panose="020F0502020204030204" pitchFamily="34" charset="0"/>
+              <a:cs typeface="Arial" panose="020B0604020202020204" pitchFamily="34" charset="0"/>
+            </a:endParaRPr>
+          </a:p>
+        </p:txBody>
+      </p:sp>
+      <p:sp>
+        <p:nvSpPr>
+          <p:cNvPr id="8" name="Rounded Rectangle 7"/>
+          <p:cNvSpPr/>
+          <p:nvPr/>
+        </p:nvSpPr>
+        <p:spPr>
+          <a:xfrm>
+            <a:off x="9376947" y="2973607"/>
+            <a:ext cx="1575853" cy="671581"/>
+          </a:xfrm>
+          <a:prstGeom prst="roundRect">
+            <a:avLst/>
+          </a:prstGeom>
+          <a:solidFill>
+            <a:schemeClr val="accent1">
+              <a:lumMod val="20000"/>
+              <a:lumOff val="80000"/>
+            </a:schemeClr>
+          </a:solidFill>
+        </p:spPr>
+        <p:style>
+          <a:lnRef idx="2">
+            <a:schemeClr val="accent1">
+              <a:shade val="50000"/>
+            </a:schemeClr>
+          </a:lnRef>
+          <a:fillRef idx="1">
+            <a:schemeClr val="accent1"/>
+          </a:fillRef>
+          <a:effectRef idx="0">
+            <a:schemeClr val="accent1"/>
+          </a:effectRef>
+          <a:fontRef idx="minor">
+            <a:schemeClr val="lt1"/>
+          </a:fontRef>
+        </p:style>
+        <p:txBody>
+          <a:bodyPr rot="0" spcFirstLastPara="0" vert="horz" wrap="square" lIns="91440" tIns="45720" rIns="91440" bIns="45720" numCol="1" spcCol="0" rtlCol="0" fromWordArt="0" anchor="ctr" anchorCtr="0" forceAA="0" compatLnSpc="1">
+            <a:prstTxWarp prst="textNoShape">
+              <a:avLst/>
+            </a:prstTxWarp>
+            <a:noAutofit/>
+          </a:bodyPr>
+          <a:lstStyle/>
+          <a:p>
+            <a:pPr marL="0" marR="0" algn="ctr">
+              <a:lnSpc>
+                <a:spcPct val="107000"/>
+              </a:lnSpc>
+              <a:spcBef>
+                <a:spcPts val="0"/>
+              </a:spcBef>
+              <a:spcAft>
+                <a:spcPts val="800"/>
+              </a:spcAft>
+            </a:pPr>
+            <a:r>
+              <a:rPr lang="en-US" sz="2400" dirty="0" smtClean="0">
+                <a:solidFill>
+                  <a:srgbClr val="3B3838"/>
+                </a:solidFill>
+                <a:effectLst/>
+                <a:ea typeface="Calibri" panose="020F0502020204030204" pitchFamily="34" charset="0"/>
+                <a:cs typeface="Arial" panose="020B0604020202020204" pitchFamily="34" charset="0"/>
+              </a:rPr>
+              <a:t>HTML </a:t>
+            </a:r>
+            <a:r>
+              <a:rPr lang="en-US" sz="2400" dirty="0">
+                <a:solidFill>
+                  <a:srgbClr val="3B3838"/>
+                </a:solidFill>
+                <a:effectLst/>
+                <a:ea typeface="Calibri" panose="020F0502020204030204" pitchFamily="34" charset="0"/>
+                <a:cs typeface="Arial" panose="020B0604020202020204" pitchFamily="34" charset="0"/>
+              </a:rPr>
+              <a:t>file</a:t>
+            </a:r>
+            <a:endParaRPr lang="en-US" sz="2400" dirty="0">
+              <a:effectLst/>
+              <a:ea typeface="Calibri" panose="020F0502020204030204" pitchFamily="34" charset="0"/>
+              <a:cs typeface="Arial" panose="020B0604020202020204" pitchFamily="34" charset="0"/>
+            </a:endParaRPr>
+          </a:p>
+        </p:txBody>
+      </p:sp>
+      <p:sp>
+        <p:nvSpPr>
+          <p:cNvPr id="9" name="Rounded Rectangle 8"/>
+          <p:cNvSpPr/>
+          <p:nvPr/>
+        </p:nvSpPr>
+        <p:spPr>
+          <a:xfrm>
+            <a:off x="6395483" y="2974844"/>
+            <a:ext cx="1592617" cy="671581"/>
+          </a:xfrm>
+          <a:prstGeom prst="roundRect">
+            <a:avLst/>
+          </a:prstGeom>
+          <a:solidFill>
+            <a:schemeClr val="accent1">
+              <a:lumMod val="60000"/>
+              <a:lumOff val="40000"/>
+            </a:schemeClr>
+          </a:solidFill>
+        </p:spPr>
+        <p:style>
+          <a:lnRef idx="2">
+            <a:schemeClr val="accent1">
+              <a:shade val="50000"/>
+            </a:schemeClr>
+          </a:lnRef>
+          <a:fillRef idx="1">
+            <a:schemeClr val="accent1"/>
+          </a:fillRef>
+          <a:effectRef idx="0">
+            <a:schemeClr val="accent1"/>
+          </a:effectRef>
+          <a:fontRef idx="minor">
+            <a:schemeClr val="lt1"/>
+          </a:fontRef>
+        </p:style>
+        <p:txBody>
+          <a:bodyPr rot="0" spcFirstLastPara="0" vert="horz" wrap="square" lIns="91440" tIns="45720" rIns="91440" bIns="45720" numCol="1" spcCol="0" rtlCol="0" fromWordArt="0" anchor="ctr" anchorCtr="0" forceAA="0" compatLnSpc="1">
+            <a:prstTxWarp prst="textNoShape">
+              <a:avLst/>
+            </a:prstTxWarp>
+            <a:noAutofit/>
+          </a:bodyPr>
+          <a:lstStyle/>
+          <a:p>
+            <a:pPr marL="0" marR="0" algn="ctr">
+              <a:lnSpc>
+                <a:spcPct val="107000"/>
+              </a:lnSpc>
+              <a:spcBef>
+                <a:spcPts val="0"/>
+              </a:spcBef>
+              <a:spcAft>
+                <a:spcPts val="800"/>
+              </a:spcAft>
+            </a:pPr>
+            <a:r>
+              <a:rPr lang="en-US" sz="2400" dirty="0">
+                <a:solidFill>
+                  <a:srgbClr val="3B3838"/>
+                </a:solidFill>
+                <a:effectLst/>
+                <a:ea typeface="Calibri" panose="020F0502020204030204" pitchFamily="34" charset="0"/>
+                <a:cs typeface="Arial" panose="020B0604020202020204" pitchFamily="34" charset="0"/>
+              </a:rPr>
+              <a:t>Graphs in .PNG </a:t>
+            </a:r>
+            <a:endParaRPr lang="en-US" sz="2400" dirty="0">
+              <a:effectLst/>
+              <a:ea typeface="Calibri" panose="020F0502020204030204" pitchFamily="34" charset="0"/>
+              <a:cs typeface="Arial" panose="020B0604020202020204" pitchFamily="34" charset="0"/>
+            </a:endParaRPr>
+          </a:p>
+        </p:txBody>
+      </p:sp>
+      <p:cxnSp>
+        <p:nvCxnSpPr>
+          <p:cNvPr id="10" name="Straight Arrow Connector 9"/>
+          <p:cNvCxnSpPr>
+            <a:stCxn id="5" idx="3"/>
+            <a:endCxn id="7" idx="1"/>
+          </p:cNvCxnSpPr>
+          <p:nvPr/>
+        </p:nvCxnSpPr>
+        <p:spPr>
+          <a:xfrm>
+            <a:off x="2780271" y="2530277"/>
+            <a:ext cx="1113864" cy="779122"/>
+          </a:xfrm>
+          <a:prstGeom prst="straightConnector1">
+            <a:avLst/>
+          </a:prstGeom>
+          <a:ln w="28575">
+            <a:tailEnd type="arrow"/>
+          </a:ln>
+        </p:spPr>
+        <p:style>
+          <a:lnRef idx="1">
+            <a:schemeClr val="accent1"/>
+          </a:lnRef>
+          <a:fillRef idx="0">
+            <a:schemeClr val="accent1"/>
+          </a:fillRef>
+          <a:effectRef idx="0">
+            <a:schemeClr val="accent1"/>
+          </a:effectRef>
+          <a:fontRef idx="minor">
+            <a:schemeClr val="tx1"/>
+          </a:fontRef>
+        </p:style>
+      </p:cxnSp>
+      <p:cxnSp>
+        <p:nvCxnSpPr>
+          <p:cNvPr id="11" name="Straight Arrow Connector 10"/>
+          <p:cNvCxnSpPr>
+            <a:stCxn id="6" idx="3"/>
+            <a:endCxn id="7" idx="1"/>
+          </p:cNvCxnSpPr>
+          <p:nvPr/>
+        </p:nvCxnSpPr>
+        <p:spPr>
+          <a:xfrm flipV="1">
+            <a:off x="2780271" y="3309399"/>
+            <a:ext cx="1113864" cy="572821"/>
+          </a:xfrm>
+          <a:prstGeom prst="straightConnector1">
+            <a:avLst/>
+          </a:prstGeom>
+          <a:ln w="28575">
+            <a:tailEnd type="arrow"/>
+          </a:ln>
+        </p:spPr>
+        <p:style>
+          <a:lnRef idx="1">
+            <a:schemeClr val="accent1"/>
+          </a:lnRef>
+          <a:fillRef idx="0">
+            <a:schemeClr val="accent1"/>
+          </a:fillRef>
+          <a:effectRef idx="0">
+            <a:schemeClr val="accent1"/>
+          </a:effectRef>
+          <a:fontRef idx="minor">
+            <a:schemeClr val="tx1"/>
+          </a:fontRef>
+        </p:style>
+      </p:cxnSp>
+      <p:cxnSp>
+        <p:nvCxnSpPr>
+          <p:cNvPr id="12" name="Straight Arrow Connector 11"/>
+          <p:cNvCxnSpPr>
+            <a:stCxn id="7" idx="3"/>
+            <a:endCxn id="9" idx="1"/>
+          </p:cNvCxnSpPr>
+          <p:nvPr/>
+        </p:nvCxnSpPr>
+        <p:spPr>
+          <a:xfrm>
+            <a:off x="5469988" y="3309399"/>
+            <a:ext cx="925495" cy="1236"/>
+          </a:xfrm>
+          <a:prstGeom prst="straightConnector1">
+            <a:avLst/>
+          </a:prstGeom>
+          <a:ln w="28575">
+            <a:tailEnd type="arrow"/>
+          </a:ln>
+        </p:spPr>
+        <p:style>
+          <a:lnRef idx="1">
+            <a:schemeClr val="accent1"/>
+          </a:lnRef>
+          <a:fillRef idx="0">
+            <a:schemeClr val="accent1"/>
+          </a:fillRef>
+          <a:effectRef idx="0">
+            <a:schemeClr val="accent1"/>
+          </a:effectRef>
+          <a:fontRef idx="minor">
+            <a:schemeClr val="tx1"/>
+          </a:fontRef>
+        </p:style>
+      </p:cxnSp>
+      <p:cxnSp>
+        <p:nvCxnSpPr>
+          <p:cNvPr id="17" name="Straight Arrow Connector 16"/>
+          <p:cNvCxnSpPr>
+            <a:stCxn id="9" idx="3"/>
+            <a:endCxn id="8" idx="1"/>
+          </p:cNvCxnSpPr>
+          <p:nvPr/>
+        </p:nvCxnSpPr>
+        <p:spPr>
+          <a:xfrm flipV="1">
+            <a:off x="7988100" y="3309398"/>
+            <a:ext cx="1388847" cy="1237"/>
+          </a:xfrm>
+          <a:prstGeom prst="straightConnector1">
+            <a:avLst/>
+          </a:prstGeom>
+          <a:ln w="28575">
+            <a:tailEnd type="arrow"/>
+          </a:ln>
+        </p:spPr>
+        <p:style>
+          <a:lnRef idx="1">
+            <a:schemeClr val="accent1"/>
+          </a:lnRef>
+          <a:fillRef idx="0">
+            <a:schemeClr val="accent1"/>
+          </a:fillRef>
+          <a:effectRef idx="0">
+            <a:schemeClr val="accent1"/>
+          </a:effectRef>
+          <a:fontRef idx="minor">
+            <a:schemeClr val="tx1"/>
+          </a:fontRef>
+        </p:style>
+      </p:cxnSp>
+    </p:spTree>
+    <p:extLst>
+      <p:ext uri="{BB962C8B-B14F-4D97-AF65-F5344CB8AC3E}">
+        <p14:creationId xmlns:p14="http://schemas.microsoft.com/office/powerpoint/2010/main" val="888793198"/>
       </p:ext>
     </p:extLst>
   </p:cSld>
@@ -4920,7 +6042,7 @@
                                           </p:stCondLst>
                                         </p:cTn>
                                         <p:tgtEl>
-                                          <p:spTgt spid="5"/>
+                                          <p:spTgt spid="6"/>
                                         </p:tgtEl>
                                         <p:attrNameLst>
                                           <p:attrName>style.visibility</p:attrName>
@@ -4934,7 +6056,535 @@
                                       <p:cBhvr>
                                         <p:cTn id="7" dur="500"/>
                                         <p:tgtEl>
+                                          <p:spTgt spid="6"/>
+                                        </p:tgtEl>
+                                      </p:cBhvr>
+                                    </p:animEffect>
+                                  </p:childTnLst>
+                                </p:cTn>
+                              </p:par>
+                            </p:childTnLst>
+                          </p:cTn>
+                        </p:par>
+                      </p:childTnLst>
+                    </p:cTn>
+                  </p:par>
+                  <p:par>
+                    <p:cTn id="8" fill="hold">
+                      <p:stCondLst>
+                        <p:cond delay="indefinite"/>
+                      </p:stCondLst>
+                      <p:childTnLst>
+                        <p:par>
+                          <p:cTn id="9" fill="hold">
+                            <p:stCondLst>
+                              <p:cond delay="0"/>
+                            </p:stCondLst>
+                            <p:childTnLst>
+                              <p:par>
+                                <p:cTn id="10" presetID="10" presetClass="entr" presetSubtype="0" fill="hold" grpId="1" nodeType="clickEffect">
+                                  <p:stCondLst>
+                                    <p:cond delay="0"/>
+                                  </p:stCondLst>
+                                  <p:childTnLst>
+                                    <p:set>
+                                      <p:cBhvr>
+                                        <p:cTn id="11" dur="1" fill="hold">
+                                          <p:stCondLst>
+                                            <p:cond delay="0"/>
+                                          </p:stCondLst>
+                                        </p:cTn>
+                                        <p:tgtEl>
                                           <p:spTgt spid="5"/>
+                                        </p:tgtEl>
+                                        <p:attrNameLst>
+                                          <p:attrName>style.visibility</p:attrName>
+                                        </p:attrNameLst>
+                                      </p:cBhvr>
+                                      <p:to>
+                                        <p:strVal val="visible"/>
+                                      </p:to>
+                                    </p:set>
+                                    <p:animEffect transition="in" filter="fade">
+                                      <p:cBhvr>
+                                        <p:cTn id="12" dur="500"/>
+                                        <p:tgtEl>
+                                          <p:spTgt spid="5"/>
+                                        </p:tgtEl>
+                                      </p:cBhvr>
+                                    </p:animEffect>
+                                  </p:childTnLst>
+                                </p:cTn>
+                              </p:par>
+                            </p:childTnLst>
+                          </p:cTn>
+                        </p:par>
+                        <p:par>
+                          <p:cTn id="13" fill="hold">
+                            <p:stCondLst>
+                              <p:cond delay="500"/>
+                            </p:stCondLst>
+                            <p:childTnLst>
+                              <p:par>
+                                <p:cTn id="14" presetID="10" presetClass="entr" presetSubtype="0" fill="hold" grpId="0" nodeType="afterEffect">
+                                  <p:stCondLst>
+                                    <p:cond delay="0"/>
+                                  </p:stCondLst>
+                                  <p:childTnLst>
+                                    <p:set>
+                                      <p:cBhvr>
+                                        <p:cTn id="15" dur="1" fill="hold">
+                                          <p:stCondLst>
+                                            <p:cond delay="0"/>
+                                          </p:stCondLst>
+                                        </p:cTn>
+                                        <p:tgtEl>
+                                          <p:spTgt spid="13"/>
+                                        </p:tgtEl>
+                                        <p:attrNameLst>
+                                          <p:attrName>style.visibility</p:attrName>
+                                        </p:attrNameLst>
+                                      </p:cBhvr>
+                                      <p:to>
+                                        <p:strVal val="visible"/>
+                                      </p:to>
+                                    </p:set>
+                                    <p:animEffect transition="in" filter="fade">
+                                      <p:cBhvr>
+                                        <p:cTn id="16" dur="500"/>
+                                        <p:tgtEl>
+                                          <p:spTgt spid="13"/>
+                                        </p:tgtEl>
+                                      </p:cBhvr>
+                                    </p:animEffect>
+                                  </p:childTnLst>
+                                </p:cTn>
+                              </p:par>
+                            </p:childTnLst>
+                          </p:cTn>
+                        </p:par>
+                      </p:childTnLst>
+                    </p:cTn>
+                  </p:par>
+                  <p:par>
+                    <p:cTn id="17" fill="hold">
+                      <p:stCondLst>
+                        <p:cond delay="indefinite"/>
+                      </p:stCondLst>
+                      <p:childTnLst>
+                        <p:par>
+                          <p:cTn id="18" fill="hold">
+                            <p:stCondLst>
+                              <p:cond delay="0"/>
+                            </p:stCondLst>
+                            <p:childTnLst>
+                              <p:par>
+                                <p:cTn id="19" presetID="22" presetClass="entr" presetSubtype="8" fill="hold" nodeType="clickEffect">
+                                  <p:stCondLst>
+                                    <p:cond delay="0"/>
+                                  </p:stCondLst>
+                                  <p:childTnLst>
+                                    <p:set>
+                                      <p:cBhvr>
+                                        <p:cTn id="20" dur="1" fill="hold">
+                                          <p:stCondLst>
+                                            <p:cond delay="0"/>
+                                          </p:stCondLst>
+                                        </p:cTn>
+                                        <p:tgtEl>
+                                          <p:spTgt spid="10"/>
+                                        </p:tgtEl>
+                                        <p:attrNameLst>
+                                          <p:attrName>style.visibility</p:attrName>
+                                        </p:attrNameLst>
+                                      </p:cBhvr>
+                                      <p:to>
+                                        <p:strVal val="visible"/>
+                                      </p:to>
+                                    </p:set>
+                                    <p:animEffect transition="in" filter="wipe(left)">
+                                      <p:cBhvr>
+                                        <p:cTn id="21" dur="500"/>
+                                        <p:tgtEl>
+                                          <p:spTgt spid="10"/>
+                                        </p:tgtEl>
+                                      </p:cBhvr>
+                                    </p:animEffect>
+                                  </p:childTnLst>
+                                </p:cTn>
+                              </p:par>
+                              <p:par>
+                                <p:cTn id="22" presetID="22" presetClass="entr" presetSubtype="8" fill="hold" nodeType="withEffect">
+                                  <p:stCondLst>
+                                    <p:cond delay="0"/>
+                                  </p:stCondLst>
+                                  <p:childTnLst>
+                                    <p:set>
+                                      <p:cBhvr>
+                                        <p:cTn id="23" dur="1" fill="hold">
+                                          <p:stCondLst>
+                                            <p:cond delay="0"/>
+                                          </p:stCondLst>
+                                        </p:cTn>
+                                        <p:tgtEl>
+                                          <p:spTgt spid="11"/>
+                                        </p:tgtEl>
+                                        <p:attrNameLst>
+                                          <p:attrName>style.visibility</p:attrName>
+                                        </p:attrNameLst>
+                                      </p:cBhvr>
+                                      <p:to>
+                                        <p:strVal val="visible"/>
+                                      </p:to>
+                                    </p:set>
+                                    <p:animEffect transition="in" filter="wipe(left)">
+                                      <p:cBhvr>
+                                        <p:cTn id="24" dur="500"/>
+                                        <p:tgtEl>
+                                          <p:spTgt spid="11"/>
+                                        </p:tgtEl>
+                                      </p:cBhvr>
+                                    </p:animEffect>
+                                  </p:childTnLst>
+                                </p:cTn>
+                              </p:par>
+                            </p:childTnLst>
+                          </p:cTn>
+                        </p:par>
+                        <p:par>
+                          <p:cTn id="25" fill="hold">
+                            <p:stCondLst>
+                              <p:cond delay="500"/>
+                            </p:stCondLst>
+                            <p:childTnLst>
+                              <p:par>
+                                <p:cTn id="26" presetID="10" presetClass="entr" presetSubtype="0" fill="hold" grpId="0" nodeType="afterEffect">
+                                  <p:stCondLst>
+                                    <p:cond delay="0"/>
+                                  </p:stCondLst>
+                                  <p:childTnLst>
+                                    <p:set>
+                                      <p:cBhvr>
+                                        <p:cTn id="27" dur="1" fill="hold">
+                                          <p:stCondLst>
+                                            <p:cond delay="0"/>
+                                          </p:stCondLst>
+                                        </p:cTn>
+                                        <p:tgtEl>
+                                          <p:spTgt spid="7"/>
+                                        </p:tgtEl>
+                                        <p:attrNameLst>
+                                          <p:attrName>style.visibility</p:attrName>
+                                        </p:attrNameLst>
+                                      </p:cBhvr>
+                                      <p:to>
+                                        <p:strVal val="visible"/>
+                                      </p:to>
+                                    </p:set>
+                                    <p:animEffect transition="in" filter="fade">
+                                      <p:cBhvr>
+                                        <p:cTn id="28" dur="500"/>
+                                        <p:tgtEl>
+                                          <p:spTgt spid="7"/>
+                                        </p:tgtEl>
+                                      </p:cBhvr>
+                                    </p:animEffect>
+                                  </p:childTnLst>
+                                </p:cTn>
+                              </p:par>
+                              <p:par>
+                                <p:cTn id="29" presetID="10" presetClass="entr" presetSubtype="0" fill="hold" grpId="0" nodeType="withEffect">
+                                  <p:stCondLst>
+                                    <p:cond delay="0"/>
+                                  </p:stCondLst>
+                                  <p:childTnLst>
+                                    <p:set>
+                                      <p:cBhvr>
+                                        <p:cTn id="30" dur="1" fill="hold">
+                                          <p:stCondLst>
+                                            <p:cond delay="0"/>
+                                          </p:stCondLst>
+                                        </p:cTn>
+                                        <p:tgtEl>
+                                          <p:spTgt spid="14"/>
+                                        </p:tgtEl>
+                                        <p:attrNameLst>
+                                          <p:attrName>style.visibility</p:attrName>
+                                        </p:attrNameLst>
+                                      </p:cBhvr>
+                                      <p:to>
+                                        <p:strVal val="visible"/>
+                                      </p:to>
+                                    </p:set>
+                                    <p:animEffect transition="in" filter="fade">
+                                      <p:cBhvr>
+                                        <p:cTn id="31" dur="500"/>
+                                        <p:tgtEl>
+                                          <p:spTgt spid="14"/>
+                                        </p:tgtEl>
+                                      </p:cBhvr>
+                                    </p:animEffect>
+                                  </p:childTnLst>
+                                </p:cTn>
+                              </p:par>
+                            </p:childTnLst>
+                          </p:cTn>
+                        </p:par>
+                      </p:childTnLst>
+                    </p:cTn>
+                  </p:par>
+                  <p:par>
+                    <p:cTn id="32" fill="hold">
+                      <p:stCondLst>
+                        <p:cond delay="indefinite"/>
+                      </p:stCondLst>
+                      <p:childTnLst>
+                        <p:par>
+                          <p:cTn id="33" fill="hold">
+                            <p:stCondLst>
+                              <p:cond delay="0"/>
+                            </p:stCondLst>
+                            <p:childTnLst>
+                              <p:par>
+                                <p:cTn id="34" presetID="22" presetClass="entr" presetSubtype="8" fill="hold" nodeType="clickEffect">
+                                  <p:stCondLst>
+                                    <p:cond delay="0"/>
+                                  </p:stCondLst>
+                                  <p:childTnLst>
+                                    <p:set>
+                                      <p:cBhvr>
+                                        <p:cTn id="35" dur="1" fill="hold">
+                                          <p:stCondLst>
+                                            <p:cond delay="0"/>
+                                          </p:stCondLst>
+                                        </p:cTn>
+                                        <p:tgtEl>
+                                          <p:spTgt spid="12"/>
+                                        </p:tgtEl>
+                                        <p:attrNameLst>
+                                          <p:attrName>style.visibility</p:attrName>
+                                        </p:attrNameLst>
+                                      </p:cBhvr>
+                                      <p:to>
+                                        <p:strVal val="visible"/>
+                                      </p:to>
+                                    </p:set>
+                                    <p:animEffect transition="in" filter="wipe(left)">
+                                      <p:cBhvr>
+                                        <p:cTn id="36" dur="500"/>
+                                        <p:tgtEl>
+                                          <p:spTgt spid="12"/>
+                                        </p:tgtEl>
+                                      </p:cBhvr>
+                                    </p:animEffect>
+                                  </p:childTnLst>
+                                </p:cTn>
+                              </p:par>
+                            </p:childTnLst>
+                          </p:cTn>
+                        </p:par>
+                        <p:par>
+                          <p:cTn id="37" fill="hold">
+                            <p:stCondLst>
+                              <p:cond delay="500"/>
+                            </p:stCondLst>
+                            <p:childTnLst>
+                              <p:par>
+                                <p:cTn id="38" presetID="10" presetClass="entr" presetSubtype="0" fill="hold" grpId="0" nodeType="afterEffect">
+                                  <p:stCondLst>
+                                    <p:cond delay="0"/>
+                                  </p:stCondLst>
+                                  <p:childTnLst>
+                                    <p:set>
+                                      <p:cBhvr>
+                                        <p:cTn id="39" dur="1" fill="hold">
+                                          <p:stCondLst>
+                                            <p:cond delay="0"/>
+                                          </p:stCondLst>
+                                        </p:cTn>
+                                        <p:tgtEl>
+                                          <p:spTgt spid="9"/>
+                                        </p:tgtEl>
+                                        <p:attrNameLst>
+                                          <p:attrName>style.visibility</p:attrName>
+                                        </p:attrNameLst>
+                                      </p:cBhvr>
+                                      <p:to>
+                                        <p:strVal val="visible"/>
+                                      </p:to>
+                                    </p:set>
+                                    <p:animEffect transition="in" filter="fade">
+                                      <p:cBhvr>
+                                        <p:cTn id="40" dur="500"/>
+                                        <p:tgtEl>
+                                          <p:spTgt spid="9"/>
+                                        </p:tgtEl>
+                                      </p:cBhvr>
+                                    </p:animEffect>
+                                  </p:childTnLst>
+                                </p:cTn>
+                              </p:par>
+                              <p:par>
+                                <p:cTn id="41" presetID="10" presetClass="entr" presetSubtype="0" fill="hold" grpId="0" nodeType="withEffect">
+                                  <p:stCondLst>
+                                    <p:cond delay="0"/>
+                                  </p:stCondLst>
+                                  <p:childTnLst>
+                                    <p:set>
+                                      <p:cBhvr>
+                                        <p:cTn id="42" dur="1" fill="hold">
+                                          <p:stCondLst>
+                                            <p:cond delay="0"/>
+                                          </p:stCondLst>
+                                        </p:cTn>
+                                        <p:tgtEl>
+                                          <p:spTgt spid="15"/>
+                                        </p:tgtEl>
+                                        <p:attrNameLst>
+                                          <p:attrName>style.visibility</p:attrName>
+                                        </p:attrNameLst>
+                                      </p:cBhvr>
+                                      <p:to>
+                                        <p:strVal val="visible"/>
+                                      </p:to>
+                                    </p:set>
+                                    <p:animEffect transition="in" filter="fade">
+                                      <p:cBhvr>
+                                        <p:cTn id="43" dur="500"/>
+                                        <p:tgtEl>
+                                          <p:spTgt spid="15"/>
+                                        </p:tgtEl>
+                                      </p:cBhvr>
+                                    </p:animEffect>
+                                  </p:childTnLst>
+                                </p:cTn>
+                              </p:par>
+                            </p:childTnLst>
+                          </p:cTn>
+                        </p:par>
+                      </p:childTnLst>
+                    </p:cTn>
+                  </p:par>
+                  <p:par>
+                    <p:cTn id="44" fill="hold">
+                      <p:stCondLst>
+                        <p:cond delay="indefinite"/>
+                      </p:stCondLst>
+                      <p:childTnLst>
+                        <p:par>
+                          <p:cTn id="45" fill="hold">
+                            <p:stCondLst>
+                              <p:cond delay="0"/>
+                            </p:stCondLst>
+                            <p:childTnLst>
+                              <p:par>
+                                <p:cTn id="46" presetID="22" presetClass="entr" presetSubtype="8" fill="hold" nodeType="clickEffect">
+                                  <p:stCondLst>
+                                    <p:cond delay="0"/>
+                                  </p:stCondLst>
+                                  <p:childTnLst>
+                                    <p:set>
+                                      <p:cBhvr>
+                                        <p:cTn id="47" dur="1" fill="hold">
+                                          <p:stCondLst>
+                                            <p:cond delay="0"/>
+                                          </p:stCondLst>
+                                        </p:cTn>
+                                        <p:tgtEl>
+                                          <p:spTgt spid="17"/>
+                                        </p:tgtEl>
+                                        <p:attrNameLst>
+                                          <p:attrName>style.visibility</p:attrName>
+                                        </p:attrNameLst>
+                                      </p:cBhvr>
+                                      <p:to>
+                                        <p:strVal val="visible"/>
+                                      </p:to>
+                                    </p:set>
+                                    <p:animEffect transition="in" filter="wipe(left)">
+                                      <p:cBhvr>
+                                        <p:cTn id="48" dur="500"/>
+                                        <p:tgtEl>
+                                          <p:spTgt spid="17"/>
+                                        </p:tgtEl>
+                                      </p:cBhvr>
+                                    </p:animEffect>
+                                  </p:childTnLst>
+                                </p:cTn>
+                              </p:par>
+                            </p:childTnLst>
+                          </p:cTn>
+                        </p:par>
+                        <p:par>
+                          <p:cTn id="49" fill="hold">
+                            <p:stCondLst>
+                              <p:cond delay="500"/>
+                            </p:stCondLst>
+                            <p:childTnLst>
+                              <p:par>
+                                <p:cTn id="50" presetID="10" presetClass="entr" presetSubtype="0" fill="hold" grpId="0" nodeType="afterEffect">
+                                  <p:stCondLst>
+                                    <p:cond delay="0"/>
+                                  </p:stCondLst>
+                                  <p:childTnLst>
+                                    <p:set>
+                                      <p:cBhvr>
+                                        <p:cTn id="51" dur="1" fill="hold">
+                                          <p:stCondLst>
+                                            <p:cond delay="0"/>
+                                          </p:stCondLst>
+                                        </p:cTn>
+                                        <p:tgtEl>
+                                          <p:spTgt spid="8"/>
+                                        </p:tgtEl>
+                                        <p:attrNameLst>
+                                          <p:attrName>style.visibility</p:attrName>
+                                        </p:attrNameLst>
+                                      </p:cBhvr>
+                                      <p:to>
+                                        <p:strVal val="visible"/>
+                                      </p:to>
+                                    </p:set>
+                                    <p:animEffect transition="in" filter="fade">
+                                      <p:cBhvr>
+                                        <p:cTn id="52" dur="500"/>
+                                        <p:tgtEl>
+                                          <p:spTgt spid="8"/>
+                                        </p:tgtEl>
+                                      </p:cBhvr>
+                                    </p:animEffect>
+                                  </p:childTnLst>
+                                </p:cTn>
+                              </p:par>
+                              <p:par>
+                                <p:cTn id="53" presetID="10" presetClass="entr" presetSubtype="0" fill="hold" grpId="0" nodeType="withEffect">
+                                  <p:stCondLst>
+                                    <p:cond delay="0"/>
+                                  </p:stCondLst>
+                                  <p:childTnLst>
+                                    <p:set>
+                                      <p:cBhvr>
+                                        <p:cTn id="54" dur="1" fill="hold">
+                                          <p:stCondLst>
+                                            <p:cond delay="0"/>
+                                          </p:stCondLst>
+                                        </p:cTn>
+                                        <p:tgtEl>
+                                          <p:spTgt spid="16"/>
+                                        </p:tgtEl>
+                                        <p:attrNameLst>
+                                          <p:attrName>style.visibility</p:attrName>
+                                        </p:attrNameLst>
+                                      </p:cBhvr>
+                                      <p:to>
+                                        <p:strVal val="visible"/>
+                                      </p:to>
+                                    </p:set>
+                                    <p:animEffect transition="in" filter="fade">
+                                      <p:cBhvr>
+                                        <p:cTn id="55" dur="500"/>
+                                        <p:tgtEl>
+                                          <p:spTgt spid="16"/>
                                         </p:tgtEl>
                                       </p:cBhvr>
                                     </p:animEffect>
@@ -4969,859 +6619,16 @@
       </p:par>
     </p:tnLst>
     <p:bldLst>
-      <p:bldP spid="5" grpId="0"/>
+      <p:bldP spid="13" grpId="0" animBg="1"/>
+      <p:bldP spid="14" grpId="0" animBg="1"/>
+      <p:bldP spid="15" grpId="0" animBg="1"/>
+      <p:bldP spid="16" grpId="0" animBg="1"/>
+      <p:bldP spid="5" grpId="1" animBg="1"/>
+      <p:bldP spid="6" grpId="0" animBg="1"/>
+      <p:bldP spid="7" grpId="0" animBg="1"/>
+      <p:bldP spid="8" grpId="0" animBg="1"/>
+      <p:bldP spid="9" grpId="0" animBg="1"/>
     </p:bldLst>
-  </p:timing>
-</p:sld>
-</file>
-
-<file path=ppt/slides/slide5.xml><?xml version="1.0" encoding="utf-8"?>
-<p:sld xmlns:a="http://schemas.openxmlformats.org/drawingml/2006/main" xmlns:r="http://schemas.openxmlformats.org/officeDocument/2006/relationships" xmlns:p="http://schemas.openxmlformats.org/presentationml/2006/main">
-  <p:cSld>
-    <p:spTree>
-      <p:nvGrpSpPr>
-        <p:cNvPr id="1" name=""/>
-        <p:cNvGrpSpPr/>
-        <p:nvPr/>
-      </p:nvGrpSpPr>
-      <p:grpSpPr>
-        <a:xfrm>
-          <a:off x="0" y="0"/>
-          <a:ext cx="0" cy="0"/>
-          <a:chOff x="0" y="0"/>
-          <a:chExt cx="0" cy="0"/>
-        </a:xfrm>
-      </p:grpSpPr>
-      <p:sp>
-        <p:nvSpPr>
-          <p:cNvPr id="2" name="Title 1"/>
-          <p:cNvSpPr>
-            <a:spLocks noGrp="1"/>
-          </p:cNvSpPr>
-          <p:nvPr>
-            <p:ph type="title"/>
-          </p:nvPr>
-        </p:nvSpPr>
-        <p:spPr/>
-        <p:txBody>
-          <a:bodyPr/>
-          <a:lstStyle/>
-          <a:p>
-            <a:r>
-              <a:rPr lang="en-CA" dirty="0" smtClean="0"/>
-              <a:t>Architecture</a:t>
-            </a:r>
-            <a:endParaRPr lang="en-US" dirty="0"/>
-          </a:p>
-        </p:txBody>
-      </p:sp>
-      <p:sp>
-        <p:nvSpPr>
-          <p:cNvPr id="13" name="Text Box 2"/>
-          <p:cNvSpPr txBox="1">
-            <a:spLocks noChangeArrowheads="1"/>
-          </p:cNvSpPr>
-          <p:nvPr/>
-        </p:nvSpPr>
-        <p:spPr bwMode="auto">
-          <a:xfrm>
-            <a:off x="1968536" y="4624888"/>
-            <a:ext cx="2095136" cy="976721"/>
-          </a:xfrm>
-          <a:prstGeom prst="roundRect">
-            <a:avLst/>
-          </a:prstGeom>
-          <a:solidFill>
-            <a:srgbClr val="FFFFFF"/>
-          </a:solidFill>
-          <a:ln w="9525">
-            <a:solidFill>
-              <a:srgbClr val="000000"/>
-            </a:solidFill>
-            <a:miter lim="800000"/>
-            <a:headEnd/>
-            <a:tailEnd/>
-          </a:ln>
-        </p:spPr>
-        <p:txBody>
-          <a:bodyPr rot="0" vert="horz" wrap="square" lIns="91440" tIns="45720" rIns="91440" bIns="45720" anchor="t" anchorCtr="0">
-            <a:spAutoFit/>
-          </a:bodyPr>
-          <a:lstStyle/>
-          <a:p>
-            <a:pPr marL="0" marR="0" algn="ctr">
-              <a:lnSpc>
-                <a:spcPct val="107000"/>
-              </a:lnSpc>
-              <a:spcBef>
-                <a:spcPts val="0"/>
-              </a:spcBef>
-              <a:spcAft>
-                <a:spcPts val="800"/>
-              </a:spcAft>
-            </a:pPr>
-            <a:r>
-              <a:rPr lang="en-US" sz="1200" dirty="0">
-                <a:effectLst/>
-                <a:latin typeface="Calibri" panose="020F0502020204030204" pitchFamily="34" charset="0"/>
-                <a:ea typeface="Calibri" panose="020F0502020204030204" pitchFamily="34" charset="0"/>
-                <a:cs typeface="Arial" panose="020B0604020202020204" pitchFamily="34" charset="0"/>
-              </a:rPr>
-              <a:t>User need to generate a dataset with X variables and Y observations in a pandas </a:t>
-            </a:r>
-            <a:r>
-              <a:rPr lang="en-US" sz="1200" dirty="0" err="1">
-                <a:effectLst/>
-                <a:latin typeface="Calibri" panose="020F0502020204030204" pitchFamily="34" charset="0"/>
-                <a:ea typeface="Calibri" panose="020F0502020204030204" pitchFamily="34" charset="0"/>
-                <a:cs typeface="Arial" panose="020B0604020202020204" pitchFamily="34" charset="0"/>
-              </a:rPr>
-              <a:t>dataframe</a:t>
-            </a:r>
-            <a:r>
-              <a:rPr lang="en-US" sz="1200" dirty="0">
-                <a:effectLst/>
-                <a:latin typeface="Calibri" panose="020F0502020204030204" pitchFamily="34" charset="0"/>
-                <a:ea typeface="Calibri" panose="020F0502020204030204" pitchFamily="34" charset="0"/>
-                <a:cs typeface="Arial" panose="020B0604020202020204" pitchFamily="34" charset="0"/>
-              </a:rPr>
-              <a:t> or csv formatting</a:t>
-            </a:r>
-          </a:p>
-        </p:txBody>
-      </p:sp>
-      <p:sp>
-        <p:nvSpPr>
-          <p:cNvPr id="14" name="Text Box 2"/>
-          <p:cNvSpPr txBox="1">
-            <a:spLocks noChangeArrowheads="1"/>
-          </p:cNvSpPr>
-          <p:nvPr/>
-        </p:nvSpPr>
-        <p:spPr bwMode="auto">
-          <a:xfrm>
-            <a:off x="4333784" y="4624887"/>
-            <a:ext cx="1921873" cy="976721"/>
-          </a:xfrm>
-          <a:prstGeom prst="roundRect">
-            <a:avLst/>
-          </a:prstGeom>
-          <a:solidFill>
-            <a:srgbClr val="FFFFFF"/>
-          </a:solidFill>
-          <a:ln w="9525">
-            <a:solidFill>
-              <a:srgbClr val="000000"/>
-            </a:solidFill>
-            <a:miter lim="800000"/>
-            <a:headEnd/>
-            <a:tailEnd/>
-          </a:ln>
-        </p:spPr>
-        <p:txBody>
-          <a:bodyPr rot="0" vert="horz" wrap="square" lIns="91440" tIns="45720" rIns="91440" bIns="45720" anchor="t" anchorCtr="0">
-            <a:noAutofit/>
-          </a:bodyPr>
-          <a:lstStyle/>
-          <a:p>
-            <a:pPr marL="0" marR="0" algn="ctr">
-              <a:lnSpc>
-                <a:spcPct val="107000"/>
-              </a:lnSpc>
-              <a:spcBef>
-                <a:spcPts val="0"/>
-              </a:spcBef>
-              <a:spcAft>
-                <a:spcPts val="800"/>
-              </a:spcAft>
-            </a:pPr>
-            <a:r>
-              <a:rPr lang="en-US" sz="1200" dirty="0">
-                <a:effectLst/>
-                <a:latin typeface="Calibri" panose="020F0502020204030204" pitchFamily="34" charset="0"/>
-                <a:ea typeface="Calibri" panose="020F0502020204030204" pitchFamily="34" charset="0"/>
-                <a:cs typeface="Arial" panose="020B0604020202020204" pitchFamily="34" charset="0"/>
-              </a:rPr>
-              <a:t>User need to provide the name/location of the </a:t>
-            </a:r>
-            <a:r>
-              <a:rPr lang="en-US" sz="1200" dirty="0" smtClean="0">
-                <a:effectLst/>
-                <a:latin typeface="Calibri" panose="020F0502020204030204" pitchFamily="34" charset="0"/>
-                <a:ea typeface="Calibri" panose="020F0502020204030204" pitchFamily="34" charset="0"/>
-                <a:cs typeface="Arial" panose="020B0604020202020204" pitchFamily="34" charset="0"/>
-              </a:rPr>
-              <a:t>dataset</a:t>
-            </a:r>
-            <a:endParaRPr lang="en-US" sz="1200" dirty="0">
-              <a:effectLst/>
-              <a:latin typeface="Calibri" panose="020F0502020204030204" pitchFamily="34" charset="0"/>
-              <a:ea typeface="Calibri" panose="020F0502020204030204" pitchFamily="34" charset="0"/>
-              <a:cs typeface="Arial" panose="020B0604020202020204" pitchFamily="34" charset="0"/>
-            </a:endParaRPr>
-          </a:p>
-        </p:txBody>
-      </p:sp>
-      <p:sp>
-        <p:nvSpPr>
-          <p:cNvPr id="15" name="Text Box 2"/>
-          <p:cNvSpPr txBox="1">
-            <a:spLocks noChangeArrowheads="1"/>
-          </p:cNvSpPr>
-          <p:nvPr/>
-        </p:nvSpPr>
-        <p:spPr bwMode="auto">
-          <a:xfrm>
-            <a:off x="6525769" y="4659404"/>
-            <a:ext cx="1892517" cy="976721"/>
-          </a:xfrm>
-          <a:prstGeom prst="roundRect">
-            <a:avLst/>
-          </a:prstGeom>
-          <a:solidFill>
-            <a:srgbClr val="FFFFFF"/>
-          </a:solidFill>
-          <a:ln w="9525">
-            <a:solidFill>
-              <a:srgbClr val="000000"/>
-            </a:solidFill>
-            <a:miter lim="800000"/>
-            <a:headEnd/>
-            <a:tailEnd/>
-          </a:ln>
-        </p:spPr>
-        <p:txBody>
-          <a:bodyPr rot="0" vert="horz" wrap="square" lIns="91440" tIns="45720" rIns="91440" bIns="45720" anchor="t" anchorCtr="0">
-            <a:spAutoFit/>
-          </a:bodyPr>
-          <a:lstStyle/>
-          <a:p>
-            <a:pPr marL="0" marR="0" algn="ctr">
-              <a:lnSpc>
-                <a:spcPct val="107000"/>
-              </a:lnSpc>
-              <a:spcBef>
-                <a:spcPts val="0"/>
-              </a:spcBef>
-              <a:spcAft>
-                <a:spcPts val="800"/>
-              </a:spcAft>
-            </a:pPr>
-            <a:r>
-              <a:rPr lang="en-US" sz="1200" dirty="0">
-                <a:effectLst/>
-                <a:latin typeface="Calibri" panose="020F0502020204030204" pitchFamily="34" charset="0"/>
-                <a:ea typeface="Calibri" panose="020F0502020204030204" pitchFamily="34" charset="0"/>
-                <a:cs typeface="Arial" panose="020B0604020202020204" pitchFamily="34" charset="0"/>
-              </a:rPr>
-              <a:t>Generate and store automatically in a file named “</a:t>
-            </a:r>
-            <a:r>
-              <a:rPr lang="en-US" sz="1200" dirty="0" err="1">
-                <a:effectLst/>
-                <a:latin typeface="Calibri" panose="020F0502020204030204" pitchFamily="34" charset="0"/>
-                <a:ea typeface="Calibri" panose="020F0502020204030204" pitchFamily="34" charset="0"/>
-                <a:cs typeface="Arial" panose="020B0604020202020204" pitchFamily="34" charset="0"/>
-              </a:rPr>
-              <a:t>Graphs_for_seenopsis</a:t>
-            </a:r>
-            <a:r>
-              <a:rPr lang="en-US" sz="1200" dirty="0">
-                <a:effectLst/>
-                <a:latin typeface="Calibri" panose="020F0502020204030204" pitchFamily="34" charset="0"/>
-                <a:ea typeface="Calibri" panose="020F0502020204030204" pitchFamily="34" charset="0"/>
-                <a:cs typeface="Arial" panose="020B0604020202020204" pitchFamily="34" charset="0"/>
-              </a:rPr>
-              <a:t>”</a:t>
-            </a:r>
-          </a:p>
-        </p:txBody>
-      </p:sp>
-      <p:sp>
-        <p:nvSpPr>
-          <p:cNvPr id="16" name="Text Box 2"/>
-          <p:cNvSpPr txBox="1">
-            <a:spLocks noChangeArrowheads="1"/>
-          </p:cNvSpPr>
-          <p:nvPr/>
-        </p:nvSpPr>
-        <p:spPr bwMode="auto">
-          <a:xfrm>
-            <a:off x="8575040" y="4653916"/>
-            <a:ext cx="2049417" cy="976721"/>
-          </a:xfrm>
-          <a:prstGeom prst="roundRect">
-            <a:avLst/>
-          </a:prstGeom>
-          <a:solidFill>
-            <a:srgbClr val="FFFFFF"/>
-          </a:solidFill>
-          <a:ln w="9525">
-            <a:solidFill>
-              <a:srgbClr val="000000"/>
-            </a:solidFill>
-            <a:miter lim="800000"/>
-            <a:headEnd/>
-            <a:tailEnd/>
-          </a:ln>
-        </p:spPr>
-        <p:txBody>
-          <a:bodyPr rot="0" vert="horz" wrap="square" lIns="91440" tIns="45720" rIns="91440" bIns="45720" anchor="t" anchorCtr="0">
-            <a:spAutoFit/>
-          </a:bodyPr>
-          <a:lstStyle/>
-          <a:p>
-            <a:pPr marL="0" marR="0" algn="ctr">
-              <a:lnSpc>
-                <a:spcPct val="107000"/>
-              </a:lnSpc>
-              <a:spcBef>
-                <a:spcPts val="0"/>
-              </a:spcBef>
-              <a:spcAft>
-                <a:spcPts val="800"/>
-              </a:spcAft>
-            </a:pPr>
-            <a:r>
-              <a:rPr lang="en-US" sz="1200" dirty="0">
-                <a:effectLst/>
-                <a:latin typeface="Calibri" panose="020F0502020204030204" pitchFamily="34" charset="0"/>
-                <a:ea typeface="Calibri" panose="020F0502020204030204" pitchFamily="34" charset="0"/>
-                <a:cs typeface="Arial" panose="020B0604020202020204" pitchFamily="34" charset="0"/>
-              </a:rPr>
-              <a:t>Generate and open automatically under the name “output_seenopsis.html</a:t>
-            </a:r>
-            <a:r>
-              <a:rPr lang="en-US" sz="1200" dirty="0" smtClean="0">
-                <a:effectLst/>
-                <a:latin typeface="Calibri" panose="020F0502020204030204" pitchFamily="34" charset="0"/>
-                <a:ea typeface="Calibri" panose="020F0502020204030204" pitchFamily="34" charset="0"/>
-                <a:cs typeface="Arial" panose="020B0604020202020204" pitchFamily="34" charset="0"/>
-              </a:rPr>
-              <a:t>”</a:t>
-            </a:r>
-          </a:p>
-        </p:txBody>
-      </p:sp>
-      <p:grpSp>
-        <p:nvGrpSpPr>
-          <p:cNvPr id="22" name="Group 21"/>
-          <p:cNvGrpSpPr/>
-          <p:nvPr/>
-        </p:nvGrpSpPr>
-        <p:grpSpPr>
-          <a:xfrm>
-            <a:off x="2305896" y="2552095"/>
-            <a:ext cx="7899521" cy="1680522"/>
-            <a:chOff x="2176719" y="2116666"/>
-            <a:chExt cx="7899521" cy="1680522"/>
-          </a:xfrm>
-        </p:grpSpPr>
-        <p:sp>
-          <p:nvSpPr>
-            <p:cNvPr id="5" name="Rounded Rectangle 4"/>
-            <p:cNvSpPr/>
-            <p:nvPr/>
-          </p:nvSpPr>
-          <p:spPr>
-            <a:xfrm>
-              <a:off x="2176719" y="2116666"/>
-              <a:ext cx="1355453" cy="630615"/>
-            </a:xfrm>
-            <a:prstGeom prst="roundRect">
-              <a:avLst/>
-            </a:prstGeom>
-            <a:solidFill>
-              <a:schemeClr val="accent1">
-                <a:lumMod val="75000"/>
-              </a:schemeClr>
-            </a:solidFill>
-          </p:spPr>
-          <p:style>
-            <a:lnRef idx="2">
-              <a:schemeClr val="accent1">
-                <a:shade val="50000"/>
-              </a:schemeClr>
-            </a:lnRef>
-            <a:fillRef idx="1">
-              <a:schemeClr val="accent1"/>
-            </a:fillRef>
-            <a:effectRef idx="0">
-              <a:schemeClr val="accent1"/>
-            </a:effectRef>
-            <a:fontRef idx="minor">
-              <a:schemeClr val="lt1"/>
-            </a:fontRef>
-          </p:style>
-          <p:txBody>
-            <a:bodyPr rot="0" spcFirstLastPara="0" vert="horz" wrap="square" lIns="91440" tIns="45720" rIns="91440" bIns="45720" numCol="1" spcCol="0" rtlCol="0" fromWordArt="0" anchor="ctr" anchorCtr="0" forceAA="0" compatLnSpc="1">
-              <a:prstTxWarp prst="textNoShape">
-                <a:avLst/>
-              </a:prstTxWarp>
-              <a:noAutofit/>
-            </a:bodyPr>
-            <a:lstStyle/>
-            <a:p>
-              <a:pPr marL="0" marR="0" algn="ctr">
-                <a:lnSpc>
-                  <a:spcPct val="107000"/>
-                </a:lnSpc>
-                <a:spcBef>
-                  <a:spcPts val="0"/>
-                </a:spcBef>
-                <a:spcAft>
-                  <a:spcPts val="800"/>
-                </a:spcAft>
-              </a:pPr>
-              <a:r>
-                <a:rPr lang="en-US" sz="1100" dirty="0">
-                  <a:effectLst/>
-                  <a:ea typeface="Calibri" panose="020F0502020204030204" pitchFamily="34" charset="0"/>
-                  <a:cs typeface="Arial" panose="020B0604020202020204" pitchFamily="34" charset="0"/>
-                </a:rPr>
-                <a:t>.CSV </a:t>
-              </a:r>
-            </a:p>
-          </p:txBody>
-        </p:sp>
-        <p:sp>
-          <p:nvSpPr>
-            <p:cNvPr id="6" name="Rounded Rectangle 5"/>
-            <p:cNvSpPr/>
-            <p:nvPr/>
-          </p:nvSpPr>
-          <p:spPr>
-            <a:xfrm>
-              <a:off x="2176719" y="3133030"/>
-              <a:ext cx="1355453" cy="664158"/>
-            </a:xfrm>
-            <a:prstGeom prst="roundRect">
-              <a:avLst/>
-            </a:prstGeom>
-            <a:solidFill>
-              <a:schemeClr val="accent1">
-                <a:lumMod val="75000"/>
-              </a:schemeClr>
-            </a:solidFill>
-          </p:spPr>
-          <p:style>
-            <a:lnRef idx="2">
-              <a:schemeClr val="accent1">
-                <a:shade val="50000"/>
-              </a:schemeClr>
-            </a:lnRef>
-            <a:fillRef idx="1">
-              <a:schemeClr val="accent1"/>
-            </a:fillRef>
-            <a:effectRef idx="0">
-              <a:schemeClr val="accent1"/>
-            </a:effectRef>
-            <a:fontRef idx="minor">
-              <a:schemeClr val="lt1"/>
-            </a:fontRef>
-          </p:style>
-          <p:txBody>
-            <a:bodyPr rot="0" spcFirstLastPara="0" vert="horz" wrap="square" lIns="91440" tIns="45720" rIns="91440" bIns="45720" numCol="1" spcCol="0" rtlCol="0" fromWordArt="0" anchor="ctr" anchorCtr="0" forceAA="0" compatLnSpc="1">
-              <a:prstTxWarp prst="textNoShape">
-                <a:avLst/>
-              </a:prstTxWarp>
-              <a:noAutofit/>
-            </a:bodyPr>
-            <a:lstStyle/>
-            <a:p>
-              <a:pPr marL="0" marR="0" algn="ctr">
-                <a:lnSpc>
-                  <a:spcPct val="107000"/>
-                </a:lnSpc>
-                <a:spcBef>
-                  <a:spcPts val="0"/>
-                </a:spcBef>
-                <a:spcAft>
-                  <a:spcPts val="800"/>
-                </a:spcAft>
-              </a:pPr>
-              <a:r>
-                <a:rPr lang="en-US" sz="1100">
-                  <a:effectLst/>
-                  <a:ea typeface="Calibri" panose="020F0502020204030204" pitchFamily="34" charset="0"/>
-                  <a:cs typeface="Arial" panose="020B0604020202020204" pitchFamily="34" charset="0"/>
-                </a:rPr>
-                <a:t>Pandas dataframe </a:t>
-              </a:r>
-            </a:p>
-          </p:txBody>
-        </p:sp>
-        <p:sp>
-          <p:nvSpPr>
-            <p:cNvPr id="7" name="Rounded Rectangle 6"/>
-            <p:cNvSpPr/>
-            <p:nvPr/>
-          </p:nvSpPr>
-          <p:spPr>
-            <a:xfrm>
-              <a:off x="4464957" y="2770761"/>
-              <a:ext cx="1370028" cy="513213"/>
-            </a:xfrm>
-            <a:prstGeom prst="roundRect">
-              <a:avLst/>
-            </a:prstGeom>
-            <a:solidFill>
-              <a:schemeClr val="accent1"/>
-            </a:solidFill>
-          </p:spPr>
-          <p:style>
-            <a:lnRef idx="2">
-              <a:schemeClr val="accent1">
-                <a:shade val="50000"/>
-              </a:schemeClr>
-            </a:lnRef>
-            <a:fillRef idx="1">
-              <a:schemeClr val="accent1"/>
-            </a:fillRef>
-            <a:effectRef idx="0">
-              <a:schemeClr val="accent1"/>
-            </a:effectRef>
-            <a:fontRef idx="minor">
-              <a:schemeClr val="lt1"/>
-            </a:fontRef>
-          </p:style>
-          <p:txBody>
-            <a:bodyPr rot="0" spcFirstLastPara="0" vert="horz" wrap="square" lIns="91440" tIns="45720" rIns="91440" bIns="45720" numCol="1" spcCol="0" rtlCol="0" fromWordArt="0" anchor="ctr" anchorCtr="0" forceAA="0" compatLnSpc="1">
-              <a:prstTxWarp prst="textNoShape">
-                <a:avLst/>
-              </a:prstTxWarp>
-              <a:noAutofit/>
-            </a:bodyPr>
-            <a:lstStyle/>
-            <a:p>
-              <a:pPr marL="0" marR="0" algn="ctr">
-                <a:lnSpc>
-                  <a:spcPct val="107000"/>
-                </a:lnSpc>
-                <a:spcBef>
-                  <a:spcPts val="0"/>
-                </a:spcBef>
-                <a:spcAft>
-                  <a:spcPts val="800"/>
-                </a:spcAft>
-              </a:pPr>
-              <a:r>
-                <a:rPr lang="en-US" sz="1200" b="1">
-                  <a:effectLst/>
-                  <a:ea typeface="Calibri" panose="020F0502020204030204" pitchFamily="34" charset="0"/>
-                  <a:cs typeface="Arial" panose="020B0604020202020204" pitchFamily="34" charset="0"/>
-                </a:rPr>
-                <a:t>seenopsis </a:t>
-              </a:r>
-              <a:endParaRPr lang="en-US" sz="1100">
-                <a:effectLst/>
-                <a:ea typeface="Calibri" panose="020F0502020204030204" pitchFamily="34" charset="0"/>
-                <a:cs typeface="Arial" panose="020B0604020202020204" pitchFamily="34" charset="0"/>
-              </a:endParaRPr>
-            </a:p>
-          </p:txBody>
-        </p:sp>
-        <p:sp>
-          <p:nvSpPr>
-            <p:cNvPr id="8" name="Rounded Rectangle 7"/>
-            <p:cNvSpPr/>
-            <p:nvPr/>
-          </p:nvSpPr>
-          <p:spPr>
-            <a:xfrm>
-              <a:off x="8706212" y="2770761"/>
-              <a:ext cx="1370028" cy="513213"/>
-            </a:xfrm>
-            <a:prstGeom prst="roundRect">
-              <a:avLst/>
-            </a:prstGeom>
-            <a:solidFill>
-              <a:schemeClr val="accent1">
-                <a:lumMod val="20000"/>
-                <a:lumOff val="80000"/>
-              </a:schemeClr>
-            </a:solidFill>
-          </p:spPr>
-          <p:style>
-            <a:lnRef idx="2">
-              <a:schemeClr val="accent1">
-                <a:shade val="50000"/>
-              </a:schemeClr>
-            </a:lnRef>
-            <a:fillRef idx="1">
-              <a:schemeClr val="accent1"/>
-            </a:fillRef>
-            <a:effectRef idx="0">
-              <a:schemeClr val="accent1"/>
-            </a:effectRef>
-            <a:fontRef idx="minor">
-              <a:schemeClr val="lt1"/>
-            </a:fontRef>
-          </p:style>
-          <p:txBody>
-            <a:bodyPr rot="0" spcFirstLastPara="0" vert="horz" wrap="square" lIns="91440" tIns="45720" rIns="91440" bIns="45720" numCol="1" spcCol="0" rtlCol="0" fromWordArt="0" anchor="ctr" anchorCtr="0" forceAA="0" compatLnSpc="1">
-              <a:prstTxWarp prst="textNoShape">
-                <a:avLst/>
-              </a:prstTxWarp>
-              <a:noAutofit/>
-            </a:bodyPr>
-            <a:lstStyle/>
-            <a:p>
-              <a:pPr marL="0" marR="0" algn="ctr">
-                <a:lnSpc>
-                  <a:spcPct val="107000"/>
-                </a:lnSpc>
-                <a:spcBef>
-                  <a:spcPts val="0"/>
-                </a:spcBef>
-                <a:spcAft>
-                  <a:spcPts val="800"/>
-                </a:spcAft>
-              </a:pPr>
-              <a:r>
-                <a:rPr lang="en-US" sz="1100">
-                  <a:solidFill>
-                    <a:srgbClr val="3B3838"/>
-                  </a:solidFill>
-                  <a:effectLst/>
-                  <a:ea typeface="Calibri" panose="020F0502020204030204" pitchFamily="34" charset="0"/>
-                  <a:cs typeface="Arial" panose="020B0604020202020204" pitchFamily="34" charset="0"/>
-                </a:rPr>
-                <a:t>Html file</a:t>
-              </a:r>
-              <a:endParaRPr lang="en-US" sz="1100">
-                <a:effectLst/>
-                <a:ea typeface="Calibri" panose="020F0502020204030204" pitchFamily="34" charset="0"/>
-                <a:cs typeface="Arial" panose="020B0604020202020204" pitchFamily="34" charset="0"/>
-              </a:endParaRPr>
-            </a:p>
-          </p:txBody>
-        </p:sp>
-        <p:sp>
-          <p:nvSpPr>
-            <p:cNvPr id="9" name="Rounded Rectangle 8"/>
-            <p:cNvSpPr/>
-            <p:nvPr/>
-          </p:nvSpPr>
-          <p:spPr>
-            <a:xfrm>
-              <a:off x="6578297" y="2770761"/>
-              <a:ext cx="1384602" cy="513213"/>
-            </a:xfrm>
-            <a:prstGeom prst="roundRect">
-              <a:avLst/>
-            </a:prstGeom>
-            <a:solidFill>
-              <a:schemeClr val="accent1">
-                <a:lumMod val="60000"/>
-                <a:lumOff val="40000"/>
-              </a:schemeClr>
-            </a:solidFill>
-          </p:spPr>
-          <p:style>
-            <a:lnRef idx="2">
-              <a:schemeClr val="accent1">
-                <a:shade val="50000"/>
-              </a:schemeClr>
-            </a:lnRef>
-            <a:fillRef idx="1">
-              <a:schemeClr val="accent1"/>
-            </a:fillRef>
-            <a:effectRef idx="0">
-              <a:schemeClr val="accent1"/>
-            </a:effectRef>
-            <a:fontRef idx="minor">
-              <a:schemeClr val="lt1"/>
-            </a:fontRef>
-          </p:style>
-          <p:txBody>
-            <a:bodyPr rot="0" spcFirstLastPara="0" vert="horz" wrap="square" lIns="91440" tIns="45720" rIns="91440" bIns="45720" numCol="1" spcCol="0" rtlCol="0" fromWordArt="0" anchor="ctr" anchorCtr="0" forceAA="0" compatLnSpc="1">
-              <a:prstTxWarp prst="textNoShape">
-                <a:avLst/>
-              </a:prstTxWarp>
-              <a:noAutofit/>
-            </a:bodyPr>
-            <a:lstStyle/>
-            <a:p>
-              <a:pPr marL="0" marR="0" algn="ctr">
-                <a:lnSpc>
-                  <a:spcPct val="107000"/>
-                </a:lnSpc>
-                <a:spcBef>
-                  <a:spcPts val="0"/>
-                </a:spcBef>
-                <a:spcAft>
-                  <a:spcPts val="800"/>
-                </a:spcAft>
-              </a:pPr>
-              <a:r>
-                <a:rPr lang="en-US" sz="1100">
-                  <a:solidFill>
-                    <a:srgbClr val="3B3838"/>
-                  </a:solidFill>
-                  <a:effectLst/>
-                  <a:ea typeface="Calibri" panose="020F0502020204030204" pitchFamily="34" charset="0"/>
-                  <a:cs typeface="Arial" panose="020B0604020202020204" pitchFamily="34" charset="0"/>
-                </a:rPr>
-                <a:t>Graphs in .PNG </a:t>
-              </a:r>
-              <a:endParaRPr lang="en-US" sz="1100">
-                <a:effectLst/>
-                <a:ea typeface="Calibri" panose="020F0502020204030204" pitchFamily="34" charset="0"/>
-                <a:cs typeface="Arial" panose="020B0604020202020204" pitchFamily="34" charset="0"/>
-              </a:endParaRPr>
-            </a:p>
-          </p:txBody>
-        </p:sp>
-        <p:cxnSp>
-          <p:nvCxnSpPr>
-            <p:cNvPr id="10" name="Straight Arrow Connector 9"/>
-            <p:cNvCxnSpPr/>
-            <p:nvPr/>
-          </p:nvCxnSpPr>
-          <p:spPr>
-            <a:xfrm>
-              <a:off x="3415574" y="2478934"/>
-              <a:ext cx="1054241" cy="523276"/>
-            </a:xfrm>
-            <a:prstGeom prst="straightConnector1">
-              <a:avLst/>
-            </a:prstGeom>
-            <a:ln>
-              <a:tailEnd type="arrow"/>
-            </a:ln>
-          </p:spPr>
-          <p:style>
-            <a:lnRef idx="1">
-              <a:schemeClr val="accent1"/>
-            </a:lnRef>
-            <a:fillRef idx="0">
-              <a:schemeClr val="accent1"/>
-            </a:fillRef>
-            <a:effectRef idx="0">
-              <a:schemeClr val="accent1"/>
-            </a:effectRef>
-            <a:fontRef idx="minor">
-              <a:schemeClr val="tx1"/>
-            </a:fontRef>
-          </p:style>
-        </p:cxnSp>
-        <p:cxnSp>
-          <p:nvCxnSpPr>
-            <p:cNvPr id="11" name="Straight Arrow Connector 10"/>
-            <p:cNvCxnSpPr/>
-            <p:nvPr/>
-          </p:nvCxnSpPr>
-          <p:spPr>
-            <a:xfrm flipV="1">
-              <a:off x="3415574" y="3052526"/>
-              <a:ext cx="1054241" cy="452835"/>
-            </a:xfrm>
-            <a:prstGeom prst="straightConnector1">
-              <a:avLst/>
-            </a:prstGeom>
-            <a:ln>
-              <a:tailEnd type="arrow"/>
-            </a:ln>
-          </p:spPr>
-          <p:style>
-            <a:lnRef idx="1">
-              <a:schemeClr val="accent1"/>
-            </a:lnRef>
-            <a:fillRef idx="0">
-              <a:schemeClr val="accent1"/>
-            </a:fillRef>
-            <a:effectRef idx="0">
-              <a:schemeClr val="accent1"/>
-            </a:effectRef>
-            <a:fontRef idx="minor">
-              <a:schemeClr val="tx1"/>
-            </a:fontRef>
-          </p:style>
-        </p:cxnSp>
-        <p:cxnSp>
-          <p:nvCxnSpPr>
-            <p:cNvPr id="12" name="Straight Arrow Connector 11"/>
-            <p:cNvCxnSpPr/>
-            <p:nvPr/>
-          </p:nvCxnSpPr>
-          <p:spPr>
-            <a:xfrm>
-              <a:off x="5834984" y="3032400"/>
-              <a:ext cx="738455" cy="0"/>
-            </a:xfrm>
-            <a:prstGeom prst="straightConnector1">
-              <a:avLst/>
-            </a:prstGeom>
-            <a:ln>
-              <a:tailEnd type="arrow"/>
-            </a:ln>
-          </p:spPr>
-          <p:style>
-            <a:lnRef idx="1">
-              <a:schemeClr val="accent1"/>
-            </a:lnRef>
-            <a:fillRef idx="0">
-              <a:schemeClr val="accent1"/>
-            </a:fillRef>
-            <a:effectRef idx="0">
-              <a:schemeClr val="accent1"/>
-            </a:effectRef>
-            <a:fontRef idx="minor">
-              <a:schemeClr val="tx1"/>
-            </a:fontRef>
-          </p:style>
-        </p:cxnSp>
-        <p:cxnSp>
-          <p:nvCxnSpPr>
-            <p:cNvPr id="17" name="Straight Arrow Connector 16"/>
-            <p:cNvCxnSpPr/>
-            <p:nvPr/>
-          </p:nvCxnSpPr>
-          <p:spPr>
-            <a:xfrm>
-              <a:off x="7977474" y="3032400"/>
-              <a:ext cx="738455" cy="0"/>
-            </a:xfrm>
-            <a:prstGeom prst="straightConnector1">
-              <a:avLst/>
-            </a:prstGeom>
-            <a:ln>
-              <a:tailEnd type="arrow"/>
-            </a:ln>
-          </p:spPr>
-          <p:style>
-            <a:lnRef idx="1">
-              <a:schemeClr val="accent1"/>
-            </a:lnRef>
-            <a:fillRef idx="0">
-              <a:schemeClr val="accent1"/>
-            </a:fillRef>
-            <a:effectRef idx="0">
-              <a:schemeClr val="accent1"/>
-            </a:effectRef>
-            <a:fontRef idx="minor">
-              <a:schemeClr val="tx1"/>
-            </a:fontRef>
-          </p:style>
-        </p:cxnSp>
-      </p:grpSp>
-    </p:spTree>
-    <p:extLst>
-      <p:ext uri="{BB962C8B-B14F-4D97-AF65-F5344CB8AC3E}">
-        <p14:creationId xmlns:p14="http://schemas.microsoft.com/office/powerpoint/2010/main" val="888793198"/>
-      </p:ext>
-    </p:extLst>
-  </p:cSld>
-  <p:clrMapOvr>
-    <a:masterClrMapping/>
-  </p:clrMapOvr>
-  <p:timing>
-    <p:tnLst>
-      <p:par>
-        <p:cTn id="1" dur="indefinite" restart="never" nodeType="tmRoot"/>
-      </p:par>
-    </p:tnLst>
   </p:timing>
 </p:sld>
 </file>
@@ -5880,8 +6687,8 @@
         </p:nvSpPr>
         <p:spPr>
           <a:xfrm>
-            <a:off x="1097280" y="2501152"/>
-            <a:ext cx="10058400" cy="3367941"/>
+            <a:off x="1066800" y="2255492"/>
+            <a:ext cx="10058400" cy="665129"/>
           </a:xfrm>
         </p:spPr>
         <p:txBody>
@@ -6062,38 +6869,255 @@
         </p:nvSpPr>
         <p:spPr>
           <a:xfrm>
-            <a:off x="1097280" y="2337797"/>
-            <a:ext cx="10058400" cy="2188384"/>
-          </a:xfrm>
-        </p:spPr>
-        <p:txBody>
-          <a:bodyPr>
+            <a:off x="1096071" y="2337797"/>
+            <a:ext cx="10058400" cy="500937"/>
+          </a:xfrm>
+        </p:spPr>
+        <p:txBody>
+          <a:bodyPr vert="horz" lIns="0" tIns="45720" rIns="0" bIns="45720" rtlCol="0">
             <a:normAutofit/>
           </a:bodyPr>
           <a:lstStyle/>
           <a:p>
             <a:r>
-              <a:rPr lang="en-CA" sz="2800" dirty="0" smtClean="0"/>
+              <a:rPr lang="en-CA" sz="2800" dirty="0"/>
               <a:t>Web application </a:t>
             </a:r>
           </a:p>
-          <a:p>
-            <a:r>
-              <a:rPr lang="en-CA" sz="2800" dirty="0" smtClean="0"/>
-              <a:t>Generating pdf </a:t>
-            </a:r>
-            <a:r>
-              <a:rPr lang="en-CA" sz="2800" dirty="0" err="1" smtClean="0"/>
-              <a:t>automaticlly</a:t>
-            </a:r>
-            <a:endParaRPr lang="en-CA" sz="2800" dirty="0" smtClean="0"/>
-          </a:p>
-          <a:p>
-            <a:r>
-              <a:rPr lang="en-CA" sz="2800" dirty="0" smtClean="0"/>
+        </p:txBody>
+      </p:sp>
+      <p:sp>
+        <p:nvSpPr>
+          <p:cNvPr id="4" name="Rectangle 3"/>
+          <p:cNvSpPr/>
+          <p:nvPr/>
+        </p:nvSpPr>
+        <p:spPr>
+          <a:xfrm>
+            <a:off x="1096071" y="2998146"/>
+            <a:ext cx="6096000" cy="369332"/>
+          </a:xfrm>
+          <a:prstGeom prst="rect">
+            <a:avLst/>
+          </a:prstGeom>
+        </p:spPr>
+        <p:txBody>
+          <a:bodyPr vert="horz" lIns="0" tIns="45720" rIns="0" bIns="45720" rtlCol="0">
+            <a:noAutofit/>
+          </a:bodyPr>
+          <a:lstStyle/>
+          <a:p>
+            <a:pPr marL="91440" indent="-91440">
+              <a:lnSpc>
+                <a:spcPct val="90000"/>
+              </a:lnSpc>
+              <a:spcBef>
+                <a:spcPts val="1200"/>
+              </a:spcBef>
+              <a:spcAft>
+                <a:spcPts val="200"/>
+              </a:spcAft>
+              <a:buClr>
+                <a:schemeClr val="accent1"/>
+              </a:buClr>
+              <a:buSzPct val="100000"/>
+              <a:buFont typeface="Calibri" panose="020F0502020204030204" pitchFamily="34" charset="0"/>
+              <a:buChar char=" "/>
+            </a:pPr>
+            <a:r>
+              <a:rPr lang="en-CA" sz="2800" dirty="0">
+                <a:solidFill>
+                  <a:schemeClr val="tx1">
+                    <a:lumMod val="75000"/>
+                    <a:lumOff val="25000"/>
+                  </a:schemeClr>
+                </a:solidFill>
+              </a:rPr>
+              <a:t>Generating pdf automatically</a:t>
+            </a:r>
+          </a:p>
+        </p:txBody>
+      </p:sp>
+      <p:sp>
+        <p:nvSpPr>
+          <p:cNvPr id="5" name="Rectangle 4"/>
+          <p:cNvSpPr/>
+          <p:nvPr/>
+        </p:nvSpPr>
+        <p:spPr>
+          <a:xfrm>
+            <a:off x="1096071" y="3690666"/>
+            <a:ext cx="6096000" cy="369332"/>
+          </a:xfrm>
+          <a:prstGeom prst="rect">
+            <a:avLst/>
+          </a:prstGeom>
+        </p:spPr>
+        <p:txBody>
+          <a:bodyPr vert="horz" lIns="0" tIns="45720" rIns="0" bIns="45720" rtlCol="0">
+            <a:noAutofit/>
+          </a:bodyPr>
+          <a:lstStyle/>
+          <a:p>
+            <a:pPr marL="91440" indent="-91440">
+              <a:lnSpc>
+                <a:spcPct val="90000"/>
+              </a:lnSpc>
+              <a:spcBef>
+                <a:spcPts val="1200"/>
+              </a:spcBef>
+              <a:spcAft>
+                <a:spcPts val="200"/>
+              </a:spcAft>
+              <a:buClr>
+                <a:schemeClr val="accent1"/>
+              </a:buClr>
+              <a:buSzPct val="100000"/>
+              <a:buFont typeface="Calibri" panose="020F0502020204030204" pitchFamily="34" charset="0"/>
+              <a:buChar char=" "/>
+            </a:pPr>
+            <a:r>
+              <a:rPr lang="en-CA" sz="2800" dirty="0">
+                <a:solidFill>
+                  <a:schemeClr val="tx1">
+                    <a:lumMod val="75000"/>
+                    <a:lumOff val="25000"/>
+                  </a:schemeClr>
+                </a:solidFill>
+              </a:rPr>
               <a:t>Tackling big datasets</a:t>
             </a:r>
-            <a:endParaRPr lang="en-US" sz="2800" dirty="0"/>
+          </a:p>
+        </p:txBody>
+      </p:sp>
+      <p:sp>
+        <p:nvSpPr>
+          <p:cNvPr id="6" name="Rectangle 5"/>
+          <p:cNvSpPr/>
+          <p:nvPr/>
+        </p:nvSpPr>
+        <p:spPr>
+          <a:xfrm>
+            <a:off x="1096071" y="4301298"/>
+            <a:ext cx="9262582" cy="369332"/>
+          </a:xfrm>
+          <a:prstGeom prst="rect">
+            <a:avLst/>
+          </a:prstGeom>
+        </p:spPr>
+        <p:txBody>
+          <a:bodyPr vert="horz" lIns="0" tIns="45720" rIns="0" bIns="45720" rtlCol="0">
+            <a:noAutofit/>
+          </a:bodyPr>
+          <a:lstStyle/>
+          <a:p>
+            <a:pPr marL="91440" indent="-91440">
+              <a:lnSpc>
+                <a:spcPct val="90000"/>
+              </a:lnSpc>
+              <a:spcBef>
+                <a:spcPts val="1200"/>
+              </a:spcBef>
+              <a:spcAft>
+                <a:spcPts val="200"/>
+              </a:spcAft>
+              <a:buClr>
+                <a:schemeClr val="accent1"/>
+              </a:buClr>
+              <a:buSzPct val="100000"/>
+              <a:buFont typeface="Calibri" panose="020F0502020204030204" pitchFamily="34" charset="0"/>
+              <a:buChar char=" "/>
+            </a:pPr>
+            <a:r>
+              <a:rPr lang="en-CA" sz="2800" dirty="0">
+                <a:solidFill>
+                  <a:schemeClr val="tx1">
+                    <a:lumMod val="75000"/>
+                    <a:lumOff val="25000"/>
+                  </a:schemeClr>
+                </a:solidFill>
+              </a:rPr>
+              <a:t>Improve html </a:t>
+            </a:r>
+            <a:r>
+              <a:rPr lang="en-CA" sz="2800" dirty="0" smtClean="0">
+                <a:solidFill>
+                  <a:schemeClr val="tx1">
+                    <a:lumMod val="75000"/>
+                    <a:lumOff val="25000"/>
+                  </a:schemeClr>
+                </a:solidFill>
+              </a:rPr>
+              <a:t>appearance</a:t>
+            </a:r>
+            <a:endParaRPr lang="en-CA" sz="2800" dirty="0">
+              <a:solidFill>
+                <a:schemeClr val="tx1">
+                  <a:lumMod val="75000"/>
+                  <a:lumOff val="25000"/>
+                </a:schemeClr>
+              </a:solidFill>
+            </a:endParaRPr>
+          </a:p>
+        </p:txBody>
+      </p:sp>
+      <p:sp>
+        <p:nvSpPr>
+          <p:cNvPr id="7" name="Rectangle 6"/>
+          <p:cNvSpPr/>
+          <p:nvPr/>
+        </p:nvSpPr>
+        <p:spPr>
+          <a:xfrm>
+            <a:off x="1096071" y="4911931"/>
+            <a:ext cx="8975979" cy="369332"/>
+          </a:xfrm>
+          <a:prstGeom prst="rect">
+            <a:avLst/>
+          </a:prstGeom>
+        </p:spPr>
+        <p:txBody>
+          <a:bodyPr vert="horz" lIns="0" tIns="45720" rIns="0" bIns="45720" rtlCol="0">
+            <a:noAutofit/>
+          </a:bodyPr>
+          <a:lstStyle/>
+          <a:p>
+            <a:pPr marL="91440" indent="-91440">
+              <a:lnSpc>
+                <a:spcPct val="90000"/>
+              </a:lnSpc>
+              <a:spcBef>
+                <a:spcPts val="1200"/>
+              </a:spcBef>
+              <a:spcAft>
+                <a:spcPts val="200"/>
+              </a:spcAft>
+              <a:buClr>
+                <a:schemeClr val="accent1"/>
+              </a:buClr>
+              <a:buSzPct val="100000"/>
+              <a:buFont typeface="Calibri" panose="020F0502020204030204" pitchFamily="34" charset="0"/>
+              <a:buChar char=" "/>
+            </a:pPr>
+            <a:r>
+              <a:rPr lang="en-CA" sz="2800" dirty="0">
+                <a:solidFill>
+                  <a:schemeClr val="tx1">
+                    <a:lumMod val="75000"/>
+                    <a:lumOff val="25000"/>
+                  </a:schemeClr>
+                </a:solidFill>
+              </a:rPr>
+              <a:t>Graphs occupying space</a:t>
+            </a:r>
+            <a:endParaRPr lang="en-US" sz="2800" dirty="0">
+              <a:solidFill>
+                <a:schemeClr val="tx1">
+                  <a:lumMod val="75000"/>
+                  <a:lumOff val="25000"/>
+                </a:schemeClr>
+              </a:solidFill>
+            </a:endParaRPr>
           </a:p>
         </p:txBody>
       </p:sp>
@@ -6110,9 +7134,925 @@
   <p:timing>
     <p:tnLst>
       <p:par>
-        <p:cTn id="1" dur="indefinite" restart="never" nodeType="tmRoot"/>
+        <p:cTn id="1" dur="indefinite" restart="never" nodeType="tmRoot">
+          <p:childTnLst>
+            <p:seq concurrent="1" nextAc="seek">
+              <p:cTn id="2" dur="indefinite" nodeType="mainSeq">
+                <p:childTnLst>
+                  <p:par>
+                    <p:cTn id="3" fill="hold">
+                      <p:stCondLst>
+                        <p:cond delay="indefinite"/>
+                      </p:stCondLst>
+                      <p:childTnLst>
+                        <p:par>
+                          <p:cTn id="4" fill="hold">
+                            <p:stCondLst>
+                              <p:cond delay="0"/>
+                            </p:stCondLst>
+                            <p:childTnLst>
+                              <p:par>
+                                <p:cTn id="5" presetID="22" presetClass="entr" presetSubtype="8" fill="hold" grpId="0" nodeType="clickEffect">
+                                  <p:stCondLst>
+                                    <p:cond delay="0"/>
+                                  </p:stCondLst>
+                                  <p:childTnLst>
+                                    <p:set>
+                                      <p:cBhvr>
+                                        <p:cTn id="6" dur="1" fill="hold">
+                                          <p:stCondLst>
+                                            <p:cond delay="0"/>
+                                          </p:stCondLst>
+                                        </p:cTn>
+                                        <p:tgtEl>
+                                          <p:spTgt spid="3">
+                                            <p:txEl>
+                                              <p:pRg st="0" end="0"/>
+                                            </p:txEl>
+                                          </p:spTgt>
+                                        </p:tgtEl>
+                                        <p:attrNameLst>
+                                          <p:attrName>style.visibility</p:attrName>
+                                        </p:attrNameLst>
+                                      </p:cBhvr>
+                                      <p:to>
+                                        <p:strVal val="visible"/>
+                                      </p:to>
+                                    </p:set>
+                                    <p:animEffect transition="in" filter="wipe(left)">
+                                      <p:cBhvr>
+                                        <p:cTn id="7" dur="500"/>
+                                        <p:tgtEl>
+                                          <p:spTgt spid="3">
+                                            <p:txEl>
+                                              <p:pRg st="0" end="0"/>
+                                            </p:txEl>
+                                          </p:spTgt>
+                                        </p:tgtEl>
+                                      </p:cBhvr>
+                                    </p:animEffect>
+                                  </p:childTnLst>
+                                </p:cTn>
+                              </p:par>
+                            </p:childTnLst>
+                          </p:cTn>
+                        </p:par>
+                      </p:childTnLst>
+                    </p:cTn>
+                  </p:par>
+                  <p:par>
+                    <p:cTn id="8" fill="hold">
+                      <p:stCondLst>
+                        <p:cond delay="indefinite"/>
+                      </p:stCondLst>
+                      <p:childTnLst>
+                        <p:par>
+                          <p:cTn id="9" fill="hold">
+                            <p:stCondLst>
+                              <p:cond delay="0"/>
+                            </p:stCondLst>
+                            <p:childTnLst>
+                              <p:par>
+                                <p:cTn id="10" presetID="22" presetClass="entr" presetSubtype="8" fill="hold" grpId="0" nodeType="clickEffect">
+                                  <p:stCondLst>
+                                    <p:cond delay="0"/>
+                                  </p:stCondLst>
+                                  <p:childTnLst>
+                                    <p:set>
+                                      <p:cBhvr>
+                                        <p:cTn id="11" dur="1" fill="hold">
+                                          <p:stCondLst>
+                                            <p:cond delay="0"/>
+                                          </p:stCondLst>
+                                        </p:cTn>
+                                        <p:tgtEl>
+                                          <p:spTgt spid="4"/>
+                                        </p:tgtEl>
+                                        <p:attrNameLst>
+                                          <p:attrName>style.visibility</p:attrName>
+                                        </p:attrNameLst>
+                                      </p:cBhvr>
+                                      <p:to>
+                                        <p:strVal val="visible"/>
+                                      </p:to>
+                                    </p:set>
+                                    <p:animEffect transition="in" filter="wipe(left)">
+                                      <p:cBhvr>
+                                        <p:cTn id="12" dur="500"/>
+                                        <p:tgtEl>
+                                          <p:spTgt spid="4"/>
+                                        </p:tgtEl>
+                                      </p:cBhvr>
+                                    </p:animEffect>
+                                  </p:childTnLst>
+                                </p:cTn>
+                              </p:par>
+                            </p:childTnLst>
+                          </p:cTn>
+                        </p:par>
+                      </p:childTnLst>
+                    </p:cTn>
+                  </p:par>
+                  <p:par>
+                    <p:cTn id="13" fill="hold">
+                      <p:stCondLst>
+                        <p:cond delay="indefinite"/>
+                      </p:stCondLst>
+                      <p:childTnLst>
+                        <p:par>
+                          <p:cTn id="14" fill="hold">
+                            <p:stCondLst>
+                              <p:cond delay="0"/>
+                            </p:stCondLst>
+                            <p:childTnLst>
+                              <p:par>
+                                <p:cTn id="15" presetID="22" presetClass="entr" presetSubtype="8" fill="hold" grpId="0" nodeType="clickEffect">
+                                  <p:stCondLst>
+                                    <p:cond delay="0"/>
+                                  </p:stCondLst>
+                                  <p:childTnLst>
+                                    <p:set>
+                                      <p:cBhvr>
+                                        <p:cTn id="16" dur="1" fill="hold">
+                                          <p:stCondLst>
+                                            <p:cond delay="0"/>
+                                          </p:stCondLst>
+                                        </p:cTn>
+                                        <p:tgtEl>
+                                          <p:spTgt spid="5"/>
+                                        </p:tgtEl>
+                                        <p:attrNameLst>
+                                          <p:attrName>style.visibility</p:attrName>
+                                        </p:attrNameLst>
+                                      </p:cBhvr>
+                                      <p:to>
+                                        <p:strVal val="visible"/>
+                                      </p:to>
+                                    </p:set>
+                                    <p:animEffect transition="in" filter="wipe(left)">
+                                      <p:cBhvr>
+                                        <p:cTn id="17" dur="500"/>
+                                        <p:tgtEl>
+                                          <p:spTgt spid="5"/>
+                                        </p:tgtEl>
+                                      </p:cBhvr>
+                                    </p:animEffect>
+                                  </p:childTnLst>
+                                </p:cTn>
+                              </p:par>
+                            </p:childTnLst>
+                          </p:cTn>
+                        </p:par>
+                      </p:childTnLst>
+                    </p:cTn>
+                  </p:par>
+                  <p:par>
+                    <p:cTn id="18" fill="hold">
+                      <p:stCondLst>
+                        <p:cond delay="indefinite"/>
+                      </p:stCondLst>
+                      <p:childTnLst>
+                        <p:par>
+                          <p:cTn id="19" fill="hold">
+                            <p:stCondLst>
+                              <p:cond delay="0"/>
+                            </p:stCondLst>
+                            <p:childTnLst>
+                              <p:par>
+                                <p:cTn id="20" presetID="22" presetClass="entr" presetSubtype="8" fill="hold" grpId="0" nodeType="clickEffect">
+                                  <p:stCondLst>
+                                    <p:cond delay="0"/>
+                                  </p:stCondLst>
+                                  <p:childTnLst>
+                                    <p:set>
+                                      <p:cBhvr>
+                                        <p:cTn id="21" dur="1" fill="hold">
+                                          <p:stCondLst>
+                                            <p:cond delay="0"/>
+                                          </p:stCondLst>
+                                        </p:cTn>
+                                        <p:tgtEl>
+                                          <p:spTgt spid="6"/>
+                                        </p:tgtEl>
+                                        <p:attrNameLst>
+                                          <p:attrName>style.visibility</p:attrName>
+                                        </p:attrNameLst>
+                                      </p:cBhvr>
+                                      <p:to>
+                                        <p:strVal val="visible"/>
+                                      </p:to>
+                                    </p:set>
+                                    <p:animEffect transition="in" filter="wipe(left)">
+                                      <p:cBhvr>
+                                        <p:cTn id="22" dur="500"/>
+                                        <p:tgtEl>
+                                          <p:spTgt spid="6"/>
+                                        </p:tgtEl>
+                                      </p:cBhvr>
+                                    </p:animEffect>
+                                  </p:childTnLst>
+                                </p:cTn>
+                              </p:par>
+                            </p:childTnLst>
+                          </p:cTn>
+                        </p:par>
+                      </p:childTnLst>
+                    </p:cTn>
+                  </p:par>
+                  <p:par>
+                    <p:cTn id="23" fill="hold">
+                      <p:stCondLst>
+                        <p:cond delay="indefinite"/>
+                      </p:stCondLst>
+                      <p:childTnLst>
+                        <p:par>
+                          <p:cTn id="24" fill="hold">
+                            <p:stCondLst>
+                              <p:cond delay="0"/>
+                            </p:stCondLst>
+                            <p:childTnLst>
+                              <p:par>
+                                <p:cTn id="25" presetID="22" presetClass="entr" presetSubtype="8" fill="hold" grpId="0" nodeType="clickEffect">
+                                  <p:stCondLst>
+                                    <p:cond delay="0"/>
+                                  </p:stCondLst>
+                                  <p:childTnLst>
+                                    <p:set>
+                                      <p:cBhvr>
+                                        <p:cTn id="26" dur="1" fill="hold">
+                                          <p:stCondLst>
+                                            <p:cond delay="0"/>
+                                          </p:stCondLst>
+                                        </p:cTn>
+                                        <p:tgtEl>
+                                          <p:spTgt spid="7"/>
+                                        </p:tgtEl>
+                                        <p:attrNameLst>
+                                          <p:attrName>style.visibility</p:attrName>
+                                        </p:attrNameLst>
+                                      </p:cBhvr>
+                                      <p:to>
+                                        <p:strVal val="visible"/>
+                                      </p:to>
+                                    </p:set>
+                                    <p:animEffect transition="in" filter="wipe(left)">
+                                      <p:cBhvr>
+                                        <p:cTn id="27" dur="500"/>
+                                        <p:tgtEl>
+                                          <p:spTgt spid="7"/>
+                                        </p:tgtEl>
+                                      </p:cBhvr>
+                                    </p:animEffect>
+                                  </p:childTnLst>
+                                </p:cTn>
+                              </p:par>
+                            </p:childTnLst>
+                          </p:cTn>
+                        </p:par>
+                      </p:childTnLst>
+                    </p:cTn>
+                  </p:par>
+                </p:childTnLst>
+              </p:cTn>
+              <p:prevCondLst>
+                <p:cond evt="onPrev" delay="0">
+                  <p:tgtEl>
+                    <p:sldTgt/>
+                  </p:tgtEl>
+                </p:cond>
+              </p:prevCondLst>
+              <p:nextCondLst>
+                <p:cond evt="onNext" delay="0">
+                  <p:tgtEl>
+                    <p:sldTgt/>
+                  </p:tgtEl>
+                </p:cond>
+              </p:nextCondLst>
+            </p:seq>
+          </p:childTnLst>
+        </p:cTn>
       </p:par>
     </p:tnLst>
+    <p:bldLst>
+      <p:bldP spid="3" grpId="0" build="p"/>
+      <p:bldP spid="4" grpId="0"/>
+      <p:bldP spid="5" grpId="0"/>
+      <p:bldP spid="6" grpId="0"/>
+      <p:bldP spid="7" grpId="0"/>
+    </p:bldLst>
+  </p:timing>
+</p:sld>
+</file>
+
+<file path=ppt/slides/slide8.xml><?xml version="1.0" encoding="utf-8"?>
+<p:sld xmlns:a="http://schemas.openxmlformats.org/drawingml/2006/main" xmlns:r="http://schemas.openxmlformats.org/officeDocument/2006/relationships" xmlns:p="http://schemas.openxmlformats.org/presentationml/2006/main">
+  <p:cSld>
+    <p:spTree>
+      <p:nvGrpSpPr>
+        <p:cNvPr id="1" name=""/>
+        <p:cNvGrpSpPr/>
+        <p:nvPr/>
+      </p:nvGrpSpPr>
+      <p:grpSpPr>
+        <a:xfrm>
+          <a:off x="0" y="0"/>
+          <a:ext cx="0" cy="0"/>
+          <a:chOff x="0" y="0"/>
+          <a:chExt cx="0" cy="0"/>
+        </a:xfrm>
+      </p:grpSpPr>
+      <p:sp>
+        <p:nvSpPr>
+          <p:cNvPr id="2" name="Title 1"/>
+          <p:cNvSpPr>
+            <a:spLocks noGrp="1"/>
+          </p:cNvSpPr>
+          <p:nvPr>
+            <p:ph type="title"/>
+          </p:nvPr>
+        </p:nvSpPr>
+        <p:spPr/>
+        <p:txBody>
+          <a:bodyPr/>
+          <a:lstStyle/>
+          <a:p>
+            <a:r>
+              <a:rPr lang="en-US" b="1" dirty="0" smtClean="0"/>
+              <a:t>Learning process</a:t>
+            </a:r>
+            <a:endParaRPr lang="en-US" b="1" dirty="0"/>
+          </a:p>
+        </p:txBody>
+      </p:sp>
+      <p:sp>
+        <p:nvSpPr>
+          <p:cNvPr id="3" name="Content Placeholder 2"/>
+          <p:cNvSpPr>
+            <a:spLocks noGrp="1"/>
+          </p:cNvSpPr>
+          <p:nvPr>
+            <p:ph idx="1"/>
+          </p:nvPr>
+        </p:nvSpPr>
+        <p:spPr>
+          <a:xfrm>
+            <a:off x="1083632" y="2197291"/>
+            <a:ext cx="10058400" cy="518614"/>
+          </a:xfrm>
+        </p:spPr>
+        <p:txBody>
+          <a:bodyPr/>
+          <a:lstStyle/>
+          <a:p>
+            <a:r>
+              <a:rPr lang="en-US" sz="2800" dirty="0">
+                <a:solidFill>
+                  <a:schemeClr val="tx1">
+                    <a:lumMod val="65000"/>
+                    <a:lumOff val="35000"/>
+                  </a:schemeClr>
+                </a:solidFill>
+              </a:rPr>
+              <a:t>Python</a:t>
+            </a:r>
+          </a:p>
+          <a:p>
+            <a:pPr marL="0" indent="0">
+              <a:buNone/>
+            </a:pPr>
+            <a:endParaRPr lang="en-US" sz="2800" dirty="0" smtClean="0">
+              <a:solidFill>
+                <a:schemeClr val="tx1">
+                  <a:lumMod val="65000"/>
+                  <a:lumOff val="35000"/>
+                </a:schemeClr>
+              </a:solidFill>
+            </a:endParaRPr>
+          </a:p>
+          <a:p>
+            <a:endParaRPr lang="en-US" sz="2800" dirty="0">
+              <a:solidFill>
+                <a:schemeClr val="tx1">
+                  <a:lumMod val="65000"/>
+                  <a:lumOff val="35000"/>
+                </a:schemeClr>
+              </a:solidFill>
+            </a:endParaRPr>
+          </a:p>
+        </p:txBody>
+      </p:sp>
+      <p:sp>
+        <p:nvSpPr>
+          <p:cNvPr id="4" name="Rectangle 3"/>
+          <p:cNvSpPr/>
+          <p:nvPr/>
+        </p:nvSpPr>
+        <p:spPr>
+          <a:xfrm>
+            <a:off x="1083632" y="2787430"/>
+            <a:ext cx="6096000" cy="523220"/>
+          </a:xfrm>
+          <a:prstGeom prst="rect">
+            <a:avLst/>
+          </a:prstGeom>
+        </p:spPr>
+        <p:txBody>
+          <a:bodyPr>
+            <a:spAutoFit/>
+          </a:bodyPr>
+          <a:lstStyle/>
+          <a:p>
+            <a:r>
+              <a:rPr lang="en-US" sz="2800" dirty="0">
+                <a:solidFill>
+                  <a:schemeClr val="tx1">
+                    <a:lumMod val="65000"/>
+                    <a:lumOff val="35000"/>
+                  </a:schemeClr>
+                </a:solidFill>
+              </a:rPr>
+              <a:t>Talk to </a:t>
+            </a:r>
+            <a:r>
+              <a:rPr lang="en-US" sz="2800" dirty="0" smtClean="0">
+                <a:solidFill>
+                  <a:schemeClr val="tx1">
+                    <a:lumMod val="65000"/>
+                    <a:lumOff val="35000"/>
+                  </a:schemeClr>
+                </a:solidFill>
+              </a:rPr>
+              <a:t>people</a:t>
+            </a:r>
+            <a:endParaRPr lang="en-US" sz="2800" dirty="0">
+              <a:solidFill>
+                <a:schemeClr val="tx1">
+                  <a:lumMod val="65000"/>
+                  <a:lumOff val="35000"/>
+                </a:schemeClr>
+              </a:solidFill>
+            </a:endParaRPr>
+          </a:p>
+        </p:txBody>
+      </p:sp>
+      <p:sp>
+        <p:nvSpPr>
+          <p:cNvPr id="5" name="Rectangle 4"/>
+          <p:cNvSpPr/>
+          <p:nvPr/>
+        </p:nvSpPr>
+        <p:spPr>
+          <a:xfrm>
+            <a:off x="1083632" y="3382175"/>
+            <a:ext cx="6096000" cy="523220"/>
+          </a:xfrm>
+          <a:prstGeom prst="rect">
+            <a:avLst/>
+          </a:prstGeom>
+        </p:spPr>
+        <p:txBody>
+          <a:bodyPr>
+            <a:spAutoFit/>
+          </a:bodyPr>
+          <a:lstStyle/>
+          <a:p>
+            <a:r>
+              <a:rPr lang="en-US" sz="2800" dirty="0">
+                <a:solidFill>
+                  <a:schemeClr val="tx1">
+                    <a:lumMod val="65000"/>
+                    <a:lumOff val="35000"/>
+                  </a:schemeClr>
+                </a:solidFill>
+              </a:rPr>
+              <a:t>Test, test, </a:t>
+            </a:r>
+            <a:r>
+              <a:rPr lang="en-US" sz="2800" dirty="0" smtClean="0">
+                <a:solidFill>
+                  <a:schemeClr val="tx1">
+                    <a:lumMod val="65000"/>
+                    <a:lumOff val="35000"/>
+                  </a:schemeClr>
+                </a:solidFill>
+              </a:rPr>
+              <a:t>test</a:t>
+            </a:r>
+            <a:endParaRPr lang="en-US" sz="2800" dirty="0">
+              <a:solidFill>
+                <a:schemeClr val="tx1">
+                  <a:lumMod val="65000"/>
+                  <a:lumOff val="35000"/>
+                </a:schemeClr>
+              </a:solidFill>
+            </a:endParaRPr>
+          </a:p>
+        </p:txBody>
+      </p:sp>
+      <p:sp>
+        <p:nvSpPr>
+          <p:cNvPr id="6" name="Rectangle 5"/>
+          <p:cNvSpPr/>
+          <p:nvPr/>
+        </p:nvSpPr>
+        <p:spPr>
+          <a:xfrm>
+            <a:off x="1083632" y="3976919"/>
+            <a:ext cx="1276632" cy="523220"/>
+          </a:xfrm>
+          <a:prstGeom prst="rect">
+            <a:avLst/>
+          </a:prstGeom>
+        </p:spPr>
+        <p:txBody>
+          <a:bodyPr wrap="none">
+            <a:spAutoFit/>
+          </a:bodyPr>
+          <a:lstStyle/>
+          <a:p>
+            <a:r>
+              <a:rPr lang="en-US" sz="2800" dirty="0">
+                <a:solidFill>
+                  <a:schemeClr val="tx1">
+                    <a:lumMod val="65000"/>
+                    <a:lumOff val="35000"/>
+                  </a:schemeClr>
+                </a:solidFill>
+              </a:rPr>
+              <a:t>Passion</a:t>
+            </a:r>
+            <a:endParaRPr lang="en-US" sz="2800" dirty="0">
+              <a:solidFill>
+                <a:schemeClr val="tx1">
+                  <a:lumMod val="65000"/>
+                  <a:lumOff val="35000"/>
+                </a:schemeClr>
+              </a:solidFill>
+            </a:endParaRPr>
+          </a:p>
+        </p:txBody>
+      </p:sp>
+      <p:sp>
+        <p:nvSpPr>
+          <p:cNvPr id="7" name="TextBox 6"/>
+          <p:cNvSpPr txBox="1"/>
+          <p:nvPr/>
+        </p:nvSpPr>
+        <p:spPr>
+          <a:xfrm>
+            <a:off x="8543499" y="5177162"/>
+            <a:ext cx="3220871" cy="769441"/>
+          </a:xfrm>
+          <a:prstGeom prst="rect">
+            <a:avLst/>
+          </a:prstGeom>
+          <a:noFill/>
+        </p:spPr>
+        <p:txBody>
+          <a:bodyPr wrap="square" rtlCol="0">
+            <a:spAutoFit/>
+          </a:bodyPr>
+          <a:lstStyle/>
+          <a:p>
+            <a:r>
+              <a:rPr lang="en-US" sz="4400" b="1" dirty="0" smtClean="0">
+                <a:solidFill>
+                  <a:schemeClr val="accent1">
+                    <a:lumMod val="50000"/>
+                  </a:schemeClr>
+                </a:solidFill>
+              </a:rPr>
+              <a:t>Thank you!</a:t>
+            </a:r>
+            <a:endParaRPr lang="en-US" sz="4400" b="1" dirty="0">
+              <a:solidFill>
+                <a:schemeClr val="accent1">
+                  <a:lumMod val="50000"/>
+                </a:schemeClr>
+              </a:solidFill>
+            </a:endParaRPr>
+          </a:p>
+        </p:txBody>
+      </p:sp>
+    </p:spTree>
+    <p:extLst>
+      <p:ext uri="{BB962C8B-B14F-4D97-AF65-F5344CB8AC3E}">
+        <p14:creationId xmlns:p14="http://schemas.microsoft.com/office/powerpoint/2010/main" val="2714100822"/>
+      </p:ext>
+    </p:extLst>
+  </p:cSld>
+  <p:clrMapOvr>
+    <a:masterClrMapping/>
+  </p:clrMapOvr>
+  <p:timing>
+    <p:tnLst>
+      <p:par>
+        <p:cTn id="1" dur="indefinite" restart="never" nodeType="tmRoot">
+          <p:childTnLst>
+            <p:seq concurrent="1" nextAc="seek">
+              <p:cTn id="2" dur="indefinite" nodeType="mainSeq">
+                <p:childTnLst>
+                  <p:par>
+                    <p:cTn id="3" fill="hold">
+                      <p:stCondLst>
+                        <p:cond delay="indefinite"/>
+                      </p:stCondLst>
+                      <p:childTnLst>
+                        <p:par>
+                          <p:cTn id="4" fill="hold">
+                            <p:stCondLst>
+                              <p:cond delay="0"/>
+                            </p:stCondLst>
+                            <p:childTnLst>
+                              <p:par>
+                                <p:cTn id="5" presetID="22" presetClass="entr" presetSubtype="8" fill="hold" grpId="0" nodeType="clickEffect">
+                                  <p:stCondLst>
+                                    <p:cond delay="0"/>
+                                  </p:stCondLst>
+                                  <p:childTnLst>
+                                    <p:set>
+                                      <p:cBhvr>
+                                        <p:cTn id="6" dur="1" fill="hold">
+                                          <p:stCondLst>
+                                            <p:cond delay="0"/>
+                                          </p:stCondLst>
+                                        </p:cTn>
+                                        <p:tgtEl>
+                                          <p:spTgt spid="3">
+                                            <p:txEl>
+                                              <p:pRg st="0" end="0"/>
+                                            </p:txEl>
+                                          </p:spTgt>
+                                        </p:tgtEl>
+                                        <p:attrNameLst>
+                                          <p:attrName>style.visibility</p:attrName>
+                                        </p:attrNameLst>
+                                      </p:cBhvr>
+                                      <p:to>
+                                        <p:strVal val="visible"/>
+                                      </p:to>
+                                    </p:set>
+                                    <p:animEffect transition="in" filter="wipe(left)">
+                                      <p:cBhvr>
+                                        <p:cTn id="7" dur="500"/>
+                                        <p:tgtEl>
+                                          <p:spTgt spid="3">
+                                            <p:txEl>
+                                              <p:pRg st="0" end="0"/>
+                                            </p:txEl>
+                                          </p:spTgt>
+                                        </p:tgtEl>
+                                      </p:cBhvr>
+                                    </p:animEffect>
+                                  </p:childTnLst>
+                                </p:cTn>
+                              </p:par>
+                            </p:childTnLst>
+                          </p:cTn>
+                        </p:par>
+                      </p:childTnLst>
+                    </p:cTn>
+                  </p:par>
+                  <p:par>
+                    <p:cTn id="8" fill="hold">
+                      <p:stCondLst>
+                        <p:cond delay="indefinite"/>
+                      </p:stCondLst>
+                      <p:childTnLst>
+                        <p:par>
+                          <p:cTn id="9" fill="hold">
+                            <p:stCondLst>
+                              <p:cond delay="0"/>
+                            </p:stCondLst>
+                            <p:childTnLst>
+                              <p:par>
+                                <p:cTn id="10" presetID="22" presetClass="entr" presetSubtype="8" fill="hold" grpId="0" nodeType="clickEffect">
+                                  <p:stCondLst>
+                                    <p:cond delay="0"/>
+                                  </p:stCondLst>
+                                  <p:childTnLst>
+                                    <p:set>
+                                      <p:cBhvr>
+                                        <p:cTn id="11" dur="1" fill="hold">
+                                          <p:stCondLst>
+                                            <p:cond delay="0"/>
+                                          </p:stCondLst>
+                                        </p:cTn>
+                                        <p:tgtEl>
+                                          <p:spTgt spid="4"/>
+                                        </p:tgtEl>
+                                        <p:attrNameLst>
+                                          <p:attrName>style.visibility</p:attrName>
+                                        </p:attrNameLst>
+                                      </p:cBhvr>
+                                      <p:to>
+                                        <p:strVal val="visible"/>
+                                      </p:to>
+                                    </p:set>
+                                    <p:animEffect transition="in" filter="wipe(left)">
+                                      <p:cBhvr>
+                                        <p:cTn id="12" dur="500"/>
+                                        <p:tgtEl>
+                                          <p:spTgt spid="4"/>
+                                        </p:tgtEl>
+                                      </p:cBhvr>
+                                    </p:animEffect>
+                                  </p:childTnLst>
+                                </p:cTn>
+                              </p:par>
+                            </p:childTnLst>
+                          </p:cTn>
+                        </p:par>
+                      </p:childTnLst>
+                    </p:cTn>
+                  </p:par>
+                  <p:par>
+                    <p:cTn id="13" fill="hold">
+                      <p:stCondLst>
+                        <p:cond delay="indefinite"/>
+                      </p:stCondLst>
+                      <p:childTnLst>
+                        <p:par>
+                          <p:cTn id="14" fill="hold">
+                            <p:stCondLst>
+                              <p:cond delay="0"/>
+                            </p:stCondLst>
+                            <p:childTnLst>
+                              <p:par>
+                                <p:cTn id="15" presetID="22" presetClass="entr" presetSubtype="8" fill="hold" grpId="0" nodeType="clickEffect">
+                                  <p:stCondLst>
+                                    <p:cond delay="0"/>
+                                  </p:stCondLst>
+                                  <p:childTnLst>
+                                    <p:set>
+                                      <p:cBhvr>
+                                        <p:cTn id="16" dur="1" fill="hold">
+                                          <p:stCondLst>
+                                            <p:cond delay="0"/>
+                                          </p:stCondLst>
+                                        </p:cTn>
+                                        <p:tgtEl>
+                                          <p:spTgt spid="5"/>
+                                        </p:tgtEl>
+                                        <p:attrNameLst>
+                                          <p:attrName>style.visibility</p:attrName>
+                                        </p:attrNameLst>
+                                      </p:cBhvr>
+                                      <p:to>
+                                        <p:strVal val="visible"/>
+                                      </p:to>
+                                    </p:set>
+                                    <p:animEffect transition="in" filter="wipe(left)">
+                                      <p:cBhvr>
+                                        <p:cTn id="17" dur="500"/>
+                                        <p:tgtEl>
+                                          <p:spTgt spid="5"/>
+                                        </p:tgtEl>
+                                      </p:cBhvr>
+                                    </p:animEffect>
+                                  </p:childTnLst>
+                                </p:cTn>
+                              </p:par>
+                            </p:childTnLst>
+                          </p:cTn>
+                        </p:par>
+                      </p:childTnLst>
+                    </p:cTn>
+                  </p:par>
+                  <p:par>
+                    <p:cTn id="18" fill="hold">
+                      <p:stCondLst>
+                        <p:cond delay="indefinite"/>
+                      </p:stCondLst>
+                      <p:childTnLst>
+                        <p:par>
+                          <p:cTn id="19" fill="hold">
+                            <p:stCondLst>
+                              <p:cond delay="0"/>
+                            </p:stCondLst>
+                            <p:childTnLst>
+                              <p:par>
+                                <p:cTn id="20" presetID="22" presetClass="entr" presetSubtype="8" fill="hold" grpId="0" nodeType="clickEffect">
+                                  <p:stCondLst>
+                                    <p:cond delay="0"/>
+                                  </p:stCondLst>
+                                  <p:childTnLst>
+                                    <p:set>
+                                      <p:cBhvr>
+                                        <p:cTn id="21" dur="1" fill="hold">
+                                          <p:stCondLst>
+                                            <p:cond delay="0"/>
+                                          </p:stCondLst>
+                                        </p:cTn>
+                                        <p:tgtEl>
+                                          <p:spTgt spid="6"/>
+                                        </p:tgtEl>
+                                        <p:attrNameLst>
+                                          <p:attrName>style.visibility</p:attrName>
+                                        </p:attrNameLst>
+                                      </p:cBhvr>
+                                      <p:to>
+                                        <p:strVal val="visible"/>
+                                      </p:to>
+                                    </p:set>
+                                    <p:animEffect transition="in" filter="wipe(left)">
+                                      <p:cBhvr>
+                                        <p:cTn id="22" dur="500"/>
+                                        <p:tgtEl>
+                                          <p:spTgt spid="6"/>
+                                        </p:tgtEl>
+                                      </p:cBhvr>
+                                    </p:animEffect>
+                                  </p:childTnLst>
+                                </p:cTn>
+                              </p:par>
+                            </p:childTnLst>
+                          </p:cTn>
+                        </p:par>
+                      </p:childTnLst>
+                    </p:cTn>
+                  </p:par>
+                  <p:par>
+                    <p:cTn id="23" fill="hold">
+                      <p:stCondLst>
+                        <p:cond delay="indefinite"/>
+                      </p:stCondLst>
+                      <p:childTnLst>
+                        <p:par>
+                          <p:cTn id="24" fill="hold">
+                            <p:stCondLst>
+                              <p:cond delay="0"/>
+                            </p:stCondLst>
+                            <p:childTnLst>
+                              <p:par>
+                                <p:cTn id="25" presetID="10" presetClass="entr" presetSubtype="0" fill="hold" grpId="0" nodeType="clickEffect">
+                                  <p:stCondLst>
+                                    <p:cond delay="0"/>
+                                  </p:stCondLst>
+                                  <p:childTnLst>
+                                    <p:set>
+                                      <p:cBhvr>
+                                        <p:cTn id="26" dur="1" fill="hold">
+                                          <p:stCondLst>
+                                            <p:cond delay="0"/>
+                                          </p:stCondLst>
+                                        </p:cTn>
+                                        <p:tgtEl>
+                                          <p:spTgt spid="7"/>
+                                        </p:tgtEl>
+                                        <p:attrNameLst>
+                                          <p:attrName>style.visibility</p:attrName>
+                                        </p:attrNameLst>
+                                      </p:cBhvr>
+                                      <p:to>
+                                        <p:strVal val="visible"/>
+                                      </p:to>
+                                    </p:set>
+                                    <p:animEffect transition="in" filter="fade">
+                                      <p:cBhvr>
+                                        <p:cTn id="27" dur="500"/>
+                                        <p:tgtEl>
+                                          <p:spTgt spid="7"/>
+                                        </p:tgtEl>
+                                      </p:cBhvr>
+                                    </p:animEffect>
+                                  </p:childTnLst>
+                                </p:cTn>
+                              </p:par>
+                            </p:childTnLst>
+                          </p:cTn>
+                        </p:par>
+                      </p:childTnLst>
+                    </p:cTn>
+                  </p:par>
+                </p:childTnLst>
+              </p:cTn>
+              <p:prevCondLst>
+                <p:cond evt="onPrev" delay="0">
+                  <p:tgtEl>
+                    <p:sldTgt/>
+                  </p:tgtEl>
+                </p:cond>
+              </p:prevCondLst>
+              <p:nextCondLst>
+                <p:cond evt="onNext" delay="0">
+                  <p:tgtEl>
+                    <p:sldTgt/>
+                  </p:tgtEl>
+                </p:cond>
+              </p:nextCondLst>
+            </p:seq>
+          </p:childTnLst>
+        </p:cTn>
+      </p:par>
+    </p:tnLst>
+    <p:bldLst>
+      <p:bldP spid="3" grpId="0" build="p"/>
+      <p:bldP spid="4" grpId="0"/>
+      <p:bldP spid="5" grpId="0"/>
+      <p:bldP spid="6" grpId="0"/>
+      <p:bldP spid="7" grpId="0"/>
+    </p:bldLst>
   </p:timing>
 </p:sld>
 </file>
@@ -6394,7 +8334,7 @@
   <a:extraClrSchemeLst/>
   <a:extLst>
     <a:ext uri="{05A4C25C-085E-4340-85A3-A5531E510DB2}">
-      <thm15:themeFamily xmlns:thm15="http://schemas.microsoft.com/office/thememl/2012/main" name="Retrospect" id="{5F128B03-DCCA-4EEB-AB3B-CF2899314A46}" vid="{D26EA377-59BD-4C9C-9D94-EE8416EE4C79}"/>
+      <thm15:themeFamily xmlns:thm15="http://schemas.microsoft.com/office/thememl/2012/main" xmlns="" name="Retrospect" id="{5F128B03-DCCA-4EEB-AB3B-CF2899314A46}" vid="{D26EA377-59BD-4C9C-9D94-EE8416EE4C79}"/>
     </a:ext>
   </a:extLst>
 </a:theme>

--- a/seenopsis_presentation.pptx
+++ b/seenopsis_presentation.pptx
@@ -111,6 +111,22 @@
       </a:defRPr>
     </a:lvl9pPr>
   </p:defaultTextStyle>
+  <p:extLst>
+    <p:ext uri="{EFAFB233-063F-42B5-8137-9DF3F51BA10A}">
+      <p15:sldGuideLst xmlns:p15="http://schemas.microsoft.com/office/powerpoint/2012/main">
+        <p15:guide id="1" orient="horz" pos="2160">
+          <p15:clr>
+            <a:srgbClr val="A4A3A4"/>
+          </p15:clr>
+        </p15:guide>
+        <p15:guide id="2" pos="754">
+          <p15:clr>
+            <a:srgbClr val="A4A3A4"/>
+          </p15:clr>
+        </p15:guide>
+      </p15:sldGuideLst>
+    </p:ext>
+  </p:extLst>
 </p:presentation>
 </file>
 
@@ -4208,18 +4224,7 @@
                   </a:schemeClr>
                 </a:solidFill>
               </a:rPr>
-              <a:t>Visualized </a:t>
-            </a:r>
-            <a:r>
-              <a:rPr lang="en-CA" sz="2800" dirty="0" smtClean="0">
-                <a:solidFill>
-                  <a:schemeClr val="tx1">
-                    <a:lumMod val="75000"/>
-                    <a:lumOff val="25000"/>
-                  </a:schemeClr>
-                </a:solidFill>
-              </a:rPr>
-              <a:t>snap shot of variables</a:t>
+              <a:t>Visualized snap shot of variables</a:t>
             </a:r>
           </a:p>
         </p:txBody>
@@ -4499,11 +4504,7 @@
           <a:p>
             <a:r>
               <a:rPr lang="en-CA" sz="2800" dirty="0" smtClean="0"/>
-              <a:t>Centralizes </a:t>
-            </a:r>
-            <a:r>
-              <a:rPr lang="en-CA" sz="2800" dirty="0" smtClean="0"/>
-              <a:t>main </a:t>
+              <a:t>Centralizes main </a:t>
             </a:r>
             <a:r>
               <a:rPr lang="en-CA" sz="2800" dirty="0"/>
@@ -7061,66 +7062,6 @@
           </a:p>
         </p:txBody>
       </p:sp>
-      <p:sp>
-        <p:nvSpPr>
-          <p:cNvPr id="7" name="Rectangle 6"/>
-          <p:cNvSpPr/>
-          <p:nvPr/>
-        </p:nvSpPr>
-        <p:spPr>
-          <a:xfrm>
-            <a:off x="1096071" y="4911931"/>
-            <a:ext cx="8975979" cy="369332"/>
-          </a:xfrm>
-          <a:prstGeom prst="rect">
-            <a:avLst/>
-          </a:prstGeom>
-        </p:spPr>
-        <p:txBody>
-          <a:bodyPr vert="horz" lIns="0" tIns="45720" rIns="0" bIns="45720" rtlCol="0">
-            <a:noAutofit/>
-          </a:bodyPr>
-          <a:lstStyle/>
-          <a:p>
-            <a:pPr marL="91440" indent="-91440">
-              <a:lnSpc>
-                <a:spcPct val="90000"/>
-              </a:lnSpc>
-              <a:spcBef>
-                <a:spcPts val="1200"/>
-              </a:spcBef>
-              <a:spcAft>
-                <a:spcPts val="200"/>
-              </a:spcAft>
-              <a:buClr>
-                <a:schemeClr val="accent1"/>
-              </a:buClr>
-              <a:buSzPct val="100000"/>
-              <a:buFont typeface="Calibri" panose="020F0502020204030204" pitchFamily="34" charset="0"/>
-              <a:buChar char=" "/>
-            </a:pPr>
-            <a:r>
-              <a:rPr lang="en-CA" sz="2800" dirty="0">
-                <a:solidFill>
-                  <a:schemeClr val="tx1">
-                    <a:lumMod val="75000"/>
-                    <a:lumOff val="25000"/>
-                  </a:schemeClr>
-                </a:solidFill>
-              </a:rPr>
-              <a:t>Graphs occupying space</a:t>
-            </a:r>
-            <a:endParaRPr lang="en-US" sz="2800" dirty="0">
-              <a:solidFill>
-                <a:schemeClr val="tx1">
-                  <a:lumMod val="75000"/>
-                  <a:lumOff val="25000"/>
-                </a:schemeClr>
-              </a:solidFill>
-            </a:endParaRPr>
-          </a:p>
-        </p:txBody>
-      </p:sp>
     </p:spTree>
     <p:extLst>
       <p:ext uri="{BB962C8B-B14F-4D97-AF65-F5344CB8AC3E}">
@@ -7359,59 +7300,6 @@
                       </p:childTnLst>
                     </p:cTn>
                   </p:par>
-                  <p:par>
-                    <p:cTn id="23" fill="hold">
-                      <p:stCondLst>
-                        <p:cond delay="indefinite"/>
-                      </p:stCondLst>
-                      <p:childTnLst>
-                        <p:par>
-                          <p:cTn id="24" fill="hold">
-                            <p:stCondLst>
-                              <p:cond delay="0"/>
-                            </p:stCondLst>
-                            <p:childTnLst>
-                              <p:par>
-                                <p:cTn id="25" presetID="22" presetClass="entr" presetSubtype="8" fill="hold" grpId="0" nodeType="clickEffect">
-                                  <p:stCondLst>
-                                    <p:cond delay="0"/>
-                                  </p:stCondLst>
-                                  <p:childTnLst>
-                                    <p:set>
-                                      <p:cBhvr>
-                                        <p:cTn id="26" dur="1" fill="hold">
-                                          <p:stCondLst>
-                                            <p:cond delay="0"/>
-                                          </p:stCondLst>
-                                        </p:cTn>
-                                        <p:tgtEl>
-                                          <p:spTgt spid="7"/>
-                                        </p:tgtEl>
-                                        <p:attrNameLst>
-                                          <p:attrName>style.visibility</p:attrName>
-                                        </p:attrNameLst>
-                                      </p:cBhvr>
-                                      <p:to>
-                                        <p:strVal val="visible"/>
-                                      </p:to>
-                                    </p:set>
-                                    <p:animEffect transition="in" filter="wipe(left)">
-                                      <p:cBhvr>
-                                        <p:cTn id="27" dur="500"/>
-                                        <p:tgtEl>
-                                          <p:spTgt spid="7"/>
-                                        </p:tgtEl>
-                                      </p:cBhvr>
-                                    </p:animEffect>
-                                  </p:childTnLst>
-                                </p:cTn>
-                              </p:par>
-                            </p:childTnLst>
-                          </p:cTn>
-                        </p:par>
-                      </p:childTnLst>
-                    </p:cTn>
-                  </p:par>
                 </p:childTnLst>
               </p:cTn>
               <p:prevCondLst>
@@ -7438,7 +7326,6 @@
       <p:bldP spid="4" grpId="0"/>
       <p:bldP spid="5" grpId="0"/>
       <p:bldP spid="6" grpId="0"/>
-      <p:bldP spid="7" grpId="0"/>
     </p:bldLst>
   </p:timing>
 </p:sld>
@@ -7681,14 +7568,6 @@
               </a:rPr>
               <a:t>Passion</a:t>
             </a:r>
-            <a:endParaRPr lang="en-US" sz="2800" dirty="0">
-              <a:solidFill>
-                <a:schemeClr val="tx1">
-                  <a:lumMod val="65000"/>
-                  <a:lumOff val="35000"/>
-                </a:schemeClr>
-              </a:solidFill>
-            </a:endParaRPr>
           </a:p>
         </p:txBody>
       </p:sp>
@@ -8334,7 +8213,7 @@
   <a:extraClrSchemeLst/>
   <a:extLst>
     <a:ext uri="{05A4C25C-085E-4340-85A3-A5531E510DB2}">
-      <thm15:themeFamily xmlns:thm15="http://schemas.microsoft.com/office/thememl/2012/main" xmlns="" name="Retrospect" id="{5F128B03-DCCA-4EEB-AB3B-CF2899314A46}" vid="{D26EA377-59BD-4C9C-9D94-EE8416EE4C79}"/>
+      <thm15:themeFamily xmlns:thm15="http://schemas.microsoft.com/office/thememl/2012/main" name="Retrospect" id="{5F128B03-DCCA-4EEB-AB3B-CF2899314A46}" vid="{D26EA377-59BD-4C9C-9D94-EE8416EE4C79}"/>
     </a:ext>
   </a:extLst>
 </a:theme>

--- a/seenopsis_presentation.pptx
+++ b/seenopsis_presentation.pptx
@@ -4846,8 +4846,25 @@
           <a:p>
             <a:r>
               <a:rPr lang="en-CA" sz="2800" dirty="0" smtClean="0"/>
-              <a:t>Python</a:t>
-            </a:r>
+              <a:t>Python (pandas, </a:t>
+            </a:r>
+            <a:r>
+              <a:rPr lang="en-CA" sz="2800" dirty="0" err="1" smtClean="0"/>
+              <a:t>numpy</a:t>
+            </a:r>
+            <a:r>
+              <a:rPr lang="en-CA" sz="2800" dirty="0" smtClean="0"/>
+              <a:t>, </a:t>
+            </a:r>
+            <a:r>
+              <a:rPr lang="en-CA" sz="2800" dirty="0" err="1" smtClean="0"/>
+              <a:t>matplotlib</a:t>
+            </a:r>
+            <a:r>
+              <a:rPr lang="en-CA" sz="2800" dirty="0" smtClean="0"/>
+              <a:t>)</a:t>
+            </a:r>
+            <a:endParaRPr lang="en-CA" sz="2800" dirty="0" smtClean="0"/>
           </a:p>
         </p:txBody>
       </p:sp>
@@ -6947,8 +6964,8 @@
         </p:nvSpPr>
         <p:spPr>
           <a:xfrm>
-            <a:off x="1096071" y="3690666"/>
-            <a:ext cx="6096000" cy="369332"/>
+            <a:off x="1096070" y="3690666"/>
+            <a:ext cx="8074823" cy="369332"/>
           </a:xfrm>
           <a:prstGeom prst="rect">
             <a:avLst/>
@@ -6986,8 +7003,27 @@
                   </a:schemeClr>
                 </a:solidFill>
               </a:rPr>
-              <a:t>Tackling big datasets</a:t>
-            </a:r>
+              <a:t>Tackling big </a:t>
+            </a:r>
+            <a:r>
+              <a:rPr lang="en-CA" sz="2800" dirty="0" smtClean="0">
+                <a:solidFill>
+                  <a:schemeClr val="tx1">
+                    <a:lumMod val="75000"/>
+                    <a:lumOff val="25000"/>
+                  </a:schemeClr>
+                </a:solidFill>
+              </a:rPr>
+              <a:t>datasets (computer power, sampling)</a:t>
+            </a:r>
+            <a:endParaRPr lang="en-CA" sz="2800" dirty="0">
+              <a:solidFill>
+                <a:schemeClr val="tx1">
+                  <a:lumMod val="75000"/>
+                  <a:lumOff val="25000"/>
+                </a:schemeClr>
+              </a:solidFill>
+            </a:endParaRPr>
           </a:p>
         </p:txBody>
       </p:sp>

--- a/seenopsis_presentation.pptx
+++ b/seenopsis_presentation.pptx
@@ -514,7 +514,7 @@
           <a:p>
             <a:fld id="{6943B7FB-ED37-47A9-99C4-A90F267351D5}" type="datetimeFigureOut">
               <a:rPr lang="en-US" smtClean="0"/>
-              <a:t>7/10/2018</a:t>
+              <a:t>7/18/2018</a:t>
             </a:fld>
             <a:endParaRPr lang="en-US"/>
           </a:p>
@@ -794,7 +794,7 @@
           <a:p>
             <a:fld id="{6943B7FB-ED37-47A9-99C4-A90F267351D5}" type="datetimeFigureOut">
               <a:rPr lang="en-US" smtClean="0"/>
-              <a:t>7/10/2018</a:t>
+              <a:t>7/18/2018</a:t>
             </a:fld>
             <a:endParaRPr lang="en-US"/>
           </a:p>
@@ -988,7 +988,7 @@
           <a:p>
             <a:fld id="{6943B7FB-ED37-47A9-99C4-A90F267351D5}" type="datetimeFigureOut">
               <a:rPr lang="en-US" smtClean="0"/>
-              <a:t>7/10/2018</a:t>
+              <a:t>7/18/2018</a:t>
             </a:fld>
             <a:endParaRPr lang="en-US"/>
           </a:p>
@@ -1362,7 +1362,7 @@
           <a:p>
             <a:fld id="{6943B7FB-ED37-47A9-99C4-A90F267351D5}" type="datetimeFigureOut">
               <a:rPr lang="en-US" smtClean="0"/>
-              <a:t>7/10/2018</a:t>
+              <a:t>7/18/2018</a:t>
             </a:fld>
             <a:endParaRPr lang="en-US"/>
           </a:p>
@@ -1661,7 +1661,7 @@
           <a:p>
             <a:fld id="{6943B7FB-ED37-47A9-99C4-A90F267351D5}" type="datetimeFigureOut">
               <a:rPr lang="en-US" smtClean="0"/>
-              <a:t>7/10/2018</a:t>
+              <a:t>7/18/2018</a:t>
             </a:fld>
             <a:endParaRPr lang="en-US"/>
           </a:p>
@@ -2064,7 +2064,7 @@
           <a:p>
             <a:fld id="{6943B7FB-ED37-47A9-99C4-A90F267351D5}" type="datetimeFigureOut">
               <a:rPr lang="en-US" smtClean="0"/>
-              <a:t>7/10/2018</a:t>
+              <a:t>7/18/2018</a:t>
             </a:fld>
             <a:endParaRPr lang="en-US"/>
           </a:p>
@@ -2206,7 +2206,7 @@
           <a:p>
             <a:fld id="{6943B7FB-ED37-47A9-99C4-A90F267351D5}" type="datetimeFigureOut">
               <a:rPr lang="en-US" smtClean="0"/>
-              <a:t>7/10/2018</a:t>
+              <a:t>7/18/2018</a:t>
             </a:fld>
             <a:endParaRPr lang="en-US"/>
           </a:p>
@@ -2401,7 +2401,7 @@
           <a:p>
             <a:fld id="{6943B7FB-ED37-47A9-99C4-A90F267351D5}" type="datetimeFigureOut">
               <a:rPr lang="en-US" smtClean="0"/>
-              <a:t>7/10/2018</a:t>
+              <a:t>7/18/2018</a:t>
             </a:fld>
             <a:endParaRPr lang="en-US"/>
           </a:p>
@@ -2774,7 +2774,7 @@
           <a:p>
             <a:fld id="{6943B7FB-ED37-47A9-99C4-A90F267351D5}" type="datetimeFigureOut">
               <a:rPr lang="en-US" smtClean="0"/>
-              <a:t>7/10/2018</a:t>
+              <a:t>7/18/2018</a:t>
             </a:fld>
             <a:endParaRPr lang="en-US"/>
           </a:p>
@@ -3170,7 +3170,7 @@
           <a:p>
             <a:fld id="{6943B7FB-ED37-47A9-99C4-A90F267351D5}" type="datetimeFigureOut">
               <a:rPr lang="en-US" smtClean="0"/>
-              <a:t>7/10/2018</a:t>
+              <a:t>7/18/2018</a:t>
             </a:fld>
             <a:endParaRPr lang="en-US"/>
           </a:p>
@@ -4864,7 +4864,6 @@
               <a:rPr lang="en-CA" sz="2800" dirty="0" smtClean="0"/>
               <a:t>)</a:t>
             </a:r>
-            <a:endParaRPr lang="en-CA" sz="2800" dirty="0" smtClean="0"/>
           </a:p>
         </p:txBody>
       </p:sp>
